--- a/TrabalhoPratico2_24760_25870.pptx
+++ b/TrabalhoPratico2_24760_25870.pptx
@@ -5,10 +5,10 @@
     <p:sldMasterId id="2147483648" r:id="rId1"/>
   </p:sldMasterIdLst>
   <p:notesMasterIdLst>
-    <p:notesMasterId r:id="rId22"/>
+    <p:notesMasterId r:id="rId21"/>
   </p:notesMasterIdLst>
   <p:handoutMasterIdLst>
-    <p:handoutMasterId r:id="rId23"/>
+    <p:handoutMasterId r:id="rId22"/>
   </p:handoutMasterIdLst>
   <p:sldIdLst>
     <p:sldId id="309" r:id="rId2"/>
@@ -27,10 +27,9 @@
     <p:sldId id="324" r:id="rId15"/>
     <p:sldId id="319" r:id="rId16"/>
     <p:sldId id="320" r:id="rId17"/>
-    <p:sldId id="321" r:id="rId18"/>
-    <p:sldId id="327" r:id="rId19"/>
-    <p:sldId id="278" r:id="rId20"/>
-    <p:sldId id="260" r:id="rId21"/>
+    <p:sldId id="327" r:id="rId18"/>
+    <p:sldId id="278" r:id="rId19"/>
+    <p:sldId id="260" r:id="rId20"/>
   </p:sldIdLst>
   <p:sldSz cx="9144000" cy="6858000" type="screen4x3"/>
   <p:notesSz cx="7099300" cy="10234613"/>
@@ -1450,7 +1449,7 @@
     </p:spTree>
     <p:extLst>
       <p:ext uri="{BB962C8B-B14F-4D97-AF65-F5344CB8AC3E}">
-        <p14:creationId xmlns:p14="http://schemas.microsoft.com/office/powerpoint/2010/main" val="2301444015"/>
+        <p14:creationId xmlns:p14="http://schemas.microsoft.com/office/powerpoint/2010/main" val="690225826"/>
       </p:ext>
     </p:extLst>
   </p:cSld>
@@ -1500,105 +1499,6 @@
               </a:rPr>
               <a:pPr/>
               <a:t>18</a:t>
-            </a:fld>
-            <a:endParaRPr lang="pt-PT">
-              <a:latin typeface="Arial" pitchFamily="34" charset="0"/>
-            </a:endParaRPr>
-          </a:p>
-        </p:txBody>
-      </p:sp>
-      <p:sp>
-        <p:nvSpPr>
-          <p:cNvPr id="93187" name="Rectangle 2"/>
-          <p:cNvSpPr>
-            <a:spLocks noGrp="1" noRot="1" noChangeAspect="1" noChangeArrowheads="1" noTextEdit="1"/>
-          </p:cNvSpPr>
-          <p:nvPr>
-            <p:ph type="sldImg"/>
-          </p:nvPr>
-        </p:nvSpPr>
-        <p:spPr>
-          <a:ln/>
-        </p:spPr>
-      </p:sp>
-      <p:sp>
-        <p:nvSpPr>
-          <p:cNvPr id="93188" name="Rectangle 3"/>
-          <p:cNvSpPr>
-            <a:spLocks noGrp="1" noChangeArrowheads="1"/>
-          </p:cNvSpPr>
-          <p:nvPr>
-            <p:ph type="body" idx="1"/>
-          </p:nvPr>
-        </p:nvSpPr>
-        <p:spPr>
-          <a:noFill/>
-          <a:ln/>
-        </p:spPr>
-        <p:txBody>
-          <a:bodyPr/>
-          <a:lstStyle/>
-          <a:p>
-            <a:pPr eaLnBrk="1" hangingPunct="1"/>
-            <a:endParaRPr lang="pt-PT">
-              <a:latin typeface="Arial" pitchFamily="34" charset="0"/>
-            </a:endParaRPr>
-          </a:p>
-        </p:txBody>
-      </p:sp>
-    </p:spTree>
-    <p:extLst>
-      <p:ext uri="{BB962C8B-B14F-4D97-AF65-F5344CB8AC3E}">
-        <p14:creationId xmlns:p14="http://schemas.microsoft.com/office/powerpoint/2010/main" val="690225826"/>
-      </p:ext>
-    </p:extLst>
-  </p:cSld>
-  <p:clrMapOvr>
-    <a:masterClrMapping/>
-  </p:clrMapOvr>
-</p:notes>
-</file>
-
-<file path=ppt/notesSlides/notesSlide18.xml><?xml version="1.0" encoding="utf-8"?>
-<p:notes xmlns:a="http://schemas.openxmlformats.org/drawingml/2006/main" xmlns:r="http://schemas.openxmlformats.org/officeDocument/2006/relationships" xmlns:p="http://schemas.openxmlformats.org/presentationml/2006/main">
-  <p:cSld>
-    <p:spTree>
-      <p:nvGrpSpPr>
-        <p:cNvPr id="1" name=""/>
-        <p:cNvGrpSpPr/>
-        <p:nvPr/>
-      </p:nvGrpSpPr>
-      <p:grpSpPr>
-        <a:xfrm>
-          <a:off x="0" y="0"/>
-          <a:ext cx="0" cy="0"/>
-          <a:chOff x="0" y="0"/>
-          <a:chExt cx="0" cy="0"/>
-        </a:xfrm>
-      </p:grpSpPr>
-      <p:sp>
-        <p:nvSpPr>
-          <p:cNvPr id="93186" name="Rectangle 7"/>
-          <p:cNvSpPr>
-            <a:spLocks noGrp="1" noChangeArrowheads="1"/>
-          </p:cNvSpPr>
-          <p:nvPr>
-            <p:ph type="sldNum" sz="quarter" idx="5"/>
-          </p:nvPr>
-        </p:nvSpPr>
-        <p:spPr>
-          <a:noFill/>
-        </p:spPr>
-        <p:txBody>
-          <a:bodyPr/>
-          <a:lstStyle/>
-          <a:p>
-            <a:fld id="{497D1F5F-AB60-452E-AA79-64E25350F70B}" type="slidenum">
-              <a:rPr lang="pt-PT" smtClean="0">
-                <a:latin typeface="Arial" pitchFamily="34" charset="0"/>
-              </a:rPr>
-              <a:pPr/>
-              <a:t>19</a:t>
             </a:fld>
             <a:endParaRPr lang="pt-PT">
               <a:latin typeface="Arial" pitchFamily="34" charset="0"/>
@@ -11727,7 +11627,7 @@
                 <a:latin typeface="Arial"/>
                 <a:cs typeface="Arial"/>
               </a:rPr>
-              <a:t> Evidências do trabalho</a:t>
+              <a:t> 5. RPC-SERVER</a:t>
             </a:r>
             <a:endParaRPr lang="pt-PT" sz="2000" b="1" dirty="0">
               <a:effectLst>
@@ -12711,7 +12611,7 @@
                 <a:latin typeface="Arial"/>
                 <a:cs typeface="Arial"/>
               </a:rPr>
-              <a:t> Evidências do trabalho</a:t>
+              <a:t> 5. RPC-SERVER</a:t>
             </a:r>
             <a:endParaRPr lang="pt-PT" sz="2000" b="1" dirty="0">
               <a:effectLst>
@@ -13695,7 +13595,7 @@
                 <a:latin typeface="Arial"/>
                 <a:cs typeface="Arial"/>
               </a:rPr>
-              <a:t> Evidências do trabalho</a:t>
+              <a:t> 6. Conclusão</a:t>
             </a:r>
             <a:endParaRPr lang="pt-PT" sz="2000" b="1" dirty="0">
               <a:effectLst>
@@ -13824,13 +13724,6 @@
                 <a:spcPct val="150000"/>
               </a:lnSpc>
             </a:pPr>
-            <a:r>
-              <a:rPr lang="pt-PT" dirty="0">
-                <a:latin typeface="Arial" pitchFamily="34" charset="0"/>
-                <a:cs typeface="Arial" pitchFamily="34" charset="0"/>
-              </a:rPr>
-              <a:t>API-PROC</a:t>
-            </a:r>
             <a:endParaRPr lang="en-US" dirty="0">
               <a:latin typeface="Arial" pitchFamily="34" charset="0"/>
               <a:cs typeface="Arial" pitchFamily="34" charset="0"/>
@@ -14456,57 +14349,154 @@
           </a:p>
         </p:txBody>
       </p:sp>
-      <p:pic>
-        <p:nvPicPr>
-          <p:cNvPr id="3074" name="Picture 2">
+      <p:sp>
+        <p:nvSpPr>
+          <p:cNvPr id="4" name="CaixaDeTexto 3">
             <a:extLst>
               <a:ext uri="{FF2B5EF4-FFF2-40B4-BE49-F238E27FC236}">
-                <a16:creationId xmlns:a16="http://schemas.microsoft.com/office/drawing/2014/main" id="{785F2BF6-EA32-4127-723A-30650E1DE4B7}"/>
+                <a16:creationId xmlns:a16="http://schemas.microsoft.com/office/drawing/2014/main" id="{BF2FF784-5DFE-7820-F219-95C6D820750B}"/>
               </a:ext>
             </a:extLst>
           </p:cNvPr>
-          <p:cNvPicPr>
-            <a:picLocks noChangeAspect="1" noChangeArrowheads="1"/>
-          </p:cNvPicPr>
+          <p:cNvSpPr txBox="1"/>
           <p:nvPr/>
-        </p:nvPicPr>
-        <p:blipFill>
-          <a:blip r:embed="rId7">
-            <a:extLst>
-              <a:ext uri="{28A0092B-C50C-407E-A947-70E740481C1C}">
-                <a14:useLocalDpi xmlns:a14="http://schemas.microsoft.com/office/drawing/2010/main" val="0"/>
-              </a:ext>
-            </a:extLst>
-          </a:blip>
-          <a:srcRect/>
-          <a:stretch>
-            <a:fillRect/>
-          </a:stretch>
-        </p:blipFill>
-        <p:spPr bwMode="auto">
-          <a:xfrm>
-            <a:off x="642483" y="1733924"/>
-            <a:ext cx="8153400" cy="4586288"/>
+        </p:nvSpPr>
+        <p:spPr>
+          <a:xfrm>
+            <a:off x="306388" y="1159837"/>
+            <a:ext cx="8659812" cy="4247317"/>
           </a:xfrm>
           <a:prstGeom prst="rect">
             <a:avLst/>
           </a:prstGeom>
           <a:noFill/>
-          <a:extLst>
-            <a:ext uri="{909E8E84-426E-40DD-AFC4-6F175D3DCCD1}">
-              <a14:hiddenFill xmlns:a14="http://schemas.microsoft.com/office/drawing/2010/main">
-                <a:solidFill>
-                  <a:srgbClr val="FFFFFF"/>
-                </a:solidFill>
-              </a14:hiddenFill>
-            </a:ext>
-          </a:extLst>
-        </p:spPr>
-      </p:pic>
+        </p:spPr>
+        <p:txBody>
+          <a:bodyPr wrap="square" rtlCol="0">
+            <a:spAutoFit/>
+          </a:bodyPr>
+          <a:lstStyle/>
+          <a:p>
+            <a:pPr algn="just">
+              <a:lnSpc>
+                <a:spcPct val="150000"/>
+              </a:lnSpc>
+            </a:pPr>
+            <a:r>
+              <a:rPr lang="pt-PT" sz="1400" dirty="0">
+                <a:latin typeface="Arial" pitchFamily="34" charset="0"/>
+                <a:cs typeface="Arial" pitchFamily="34" charset="0"/>
+              </a:rPr>
+              <a:t>Com a realização deste trabalho, proposto pelos docentes Jorge Ribeiro e Luís Teófilo na Unidade Curricular de Integração de Sistemas, foi possível desenvolver e aplicar os conhecimentos já adquiridos em sala de aula.</a:t>
+            </a:r>
+          </a:p>
+          <a:p>
+            <a:pPr algn="just">
+              <a:lnSpc>
+                <a:spcPct val="150000"/>
+              </a:lnSpc>
+            </a:pPr>
+            <a:r>
+              <a:rPr lang="pt-PT" sz="1400" dirty="0">
+                <a:latin typeface="Arial" pitchFamily="34" charset="0"/>
+                <a:cs typeface="Arial" pitchFamily="34" charset="0"/>
+              </a:rPr>
+              <a:t>Conseguimos cumprir alguns dos objetivos propostos, sendo que a nossa maior dificuldade passou por implementar as </a:t>
+            </a:r>
+            <a:r>
+              <a:rPr lang="pt-PT" sz="1400" dirty="0" err="1">
+                <a:latin typeface="Arial" pitchFamily="34" charset="0"/>
+                <a:cs typeface="Arial" pitchFamily="34" charset="0"/>
+              </a:rPr>
+              <a:t>API´s</a:t>
+            </a:r>
+            <a:r>
+              <a:rPr lang="pt-PT" sz="1400" dirty="0">
+                <a:latin typeface="Arial" pitchFamily="34" charset="0"/>
+                <a:cs typeface="Arial" pitchFamily="34" charset="0"/>
+              </a:rPr>
+              <a:t> e consequentemente, os </a:t>
+            </a:r>
+            <a:r>
+              <a:rPr lang="pt-PT" sz="1400" dirty="0" err="1">
+                <a:latin typeface="Arial" pitchFamily="34" charset="0"/>
+                <a:cs typeface="Arial" pitchFamily="34" charset="0"/>
+              </a:rPr>
+              <a:t>front-ends</a:t>
+            </a:r>
+            <a:r>
+              <a:rPr lang="pt-PT" sz="1400" dirty="0">
+                <a:latin typeface="Arial" pitchFamily="34" charset="0"/>
+                <a:cs typeface="Arial" pitchFamily="34" charset="0"/>
+              </a:rPr>
+              <a:t>. Em relação aos objetivos cumpridos, aquele que nos proporcionou maior dificuldade foi a utilização da </a:t>
+            </a:r>
+            <a:r>
+              <a:rPr lang="pt-PT" sz="1400" dirty="0" err="1">
+                <a:latin typeface="Arial" pitchFamily="34" charset="0"/>
+                <a:cs typeface="Arial" pitchFamily="34" charset="0"/>
+              </a:rPr>
+              <a:t>Nomatim</a:t>
+            </a:r>
+            <a:r>
+              <a:rPr lang="pt-PT" sz="1400" dirty="0">
+                <a:latin typeface="Arial" pitchFamily="34" charset="0"/>
+                <a:cs typeface="Arial" pitchFamily="34" charset="0"/>
+              </a:rPr>
+              <a:t> API para obter as coordenadas geográficas. </a:t>
+            </a:r>
+          </a:p>
+          <a:p>
+            <a:pPr algn="just">
+              <a:lnSpc>
+                <a:spcPct val="150000"/>
+              </a:lnSpc>
+            </a:pPr>
+            <a:r>
+              <a:rPr lang="pt-PT" sz="1400" dirty="0">
+                <a:latin typeface="Arial" pitchFamily="34" charset="0"/>
+                <a:cs typeface="Arial" pitchFamily="34" charset="0"/>
+              </a:rPr>
+              <a:t>A utilização da </a:t>
+            </a:r>
+            <a:r>
+              <a:rPr lang="pt-PT" sz="1400" dirty="0" err="1">
+                <a:latin typeface="Arial" pitchFamily="34" charset="0"/>
+                <a:cs typeface="Arial" pitchFamily="34" charset="0"/>
+              </a:rPr>
+              <a:t>Nomatim</a:t>
+            </a:r>
+            <a:r>
+              <a:rPr lang="pt-PT" sz="1400" dirty="0">
+                <a:latin typeface="Arial" pitchFamily="34" charset="0"/>
+                <a:cs typeface="Arial" pitchFamily="34" charset="0"/>
+              </a:rPr>
+              <a:t> API foi especialmente importante para o desenvolvimento das nossas capacidades no tratamento de coordenadas geográficas, pois exigiu um maior estudo sobre o tema e também recorremos a algumas tentativas/erro para conseguirmos concluir este objetivo com sucesso.</a:t>
+            </a:r>
+          </a:p>
+          <a:p>
+            <a:pPr algn="just">
+              <a:lnSpc>
+                <a:spcPct val="150000"/>
+              </a:lnSpc>
+            </a:pPr>
+            <a:r>
+              <a:rPr lang="pt-PT" sz="1400" dirty="0">
+                <a:latin typeface="Arial" pitchFamily="34" charset="0"/>
+                <a:cs typeface="Arial" pitchFamily="34" charset="0"/>
+              </a:rPr>
+              <a:t>Porém, não estamos satisfeitos por não conseguir obter os resultados esperados no que faltou acabar deste trabalho. Assim, pretendemos melhorar as nossas competências relativas a essas tarefas para estarmos melhor preparados para projetos futuros </a:t>
+            </a:r>
+          </a:p>
+          <a:p>
+            <a:endParaRPr lang="pt-PT" dirty="0"/>
+          </a:p>
+        </p:txBody>
+      </p:sp>
     </p:spTree>
     <p:extLst>
       <p:ext uri="{BB962C8B-B14F-4D97-AF65-F5344CB8AC3E}">
-        <p14:creationId xmlns:p14="http://schemas.microsoft.com/office/powerpoint/2010/main" val="1337981719"/>
+        <p14:creationId xmlns:p14="http://schemas.microsoft.com/office/powerpoint/2010/main" val="1880298789"/>
       </p:ext>
     </p:extLst>
   </p:cSld>
@@ -14535,90 +14525,6 @@
       </p:grpSpPr>
       <p:sp>
         <p:nvSpPr>
-          <p:cNvPr id="10243" name="Text Box 10"/>
-          <p:cNvSpPr txBox="1">
-            <a:spLocks noChangeArrowheads="1"/>
-          </p:cNvSpPr>
-          <p:nvPr/>
-        </p:nvSpPr>
-        <p:spPr bwMode="auto">
-          <a:xfrm>
-            <a:off x="8288338" y="6296025"/>
-            <a:ext cx="827087" cy="366713"/>
-          </a:xfrm>
-          <a:prstGeom prst="rect">
-            <a:avLst/>
-          </a:prstGeom>
-          <a:noFill/>
-          <a:ln w="9525">
-            <a:noFill/>
-            <a:miter lim="800000"/>
-            <a:headEnd/>
-            <a:tailEnd/>
-          </a:ln>
-        </p:spPr>
-        <p:txBody>
-          <a:bodyPr>
-            <a:spAutoFit/>
-          </a:bodyPr>
-          <a:lstStyle/>
-          <a:p>
-            <a:pPr>
-              <a:spcBef>
-                <a:spcPct val="50000"/>
-              </a:spcBef>
-            </a:pPr>
-            <a:endParaRPr lang="pt-PT"/>
-          </a:p>
-        </p:txBody>
-      </p:sp>
-      <p:sp>
-        <p:nvSpPr>
-          <p:cNvPr id="10244" name="Rectangle 11"/>
-          <p:cNvSpPr>
-            <a:spLocks noChangeArrowheads="1"/>
-          </p:cNvSpPr>
-          <p:nvPr/>
-        </p:nvSpPr>
-        <p:spPr bwMode="auto">
-          <a:xfrm>
-            <a:off x="8327571" y="6496091"/>
-            <a:ext cx="936625" cy="260350"/>
-          </a:xfrm>
-          <a:prstGeom prst="rect">
-            <a:avLst/>
-          </a:prstGeom>
-          <a:noFill/>
-          <a:ln w="9525">
-            <a:noFill/>
-            <a:miter lim="800000"/>
-            <a:headEnd/>
-            <a:tailEnd/>
-          </a:ln>
-        </p:spPr>
-        <p:txBody>
-          <a:bodyPr anchor="ctr"/>
-          <a:lstStyle/>
-          <a:p>
-            <a:pPr algn="ctr"/>
-            <a:r>
-              <a:rPr lang="pt-PT" sz="1000" dirty="0"/>
-              <a:t>- </a:t>
-            </a:r>
-            <a:fld id="{1234D2FF-8FB9-47A1-B8C9-42A5F500BA2F}" type="slidenum">
-              <a:rPr lang="pt-PT" sz="1000"/>
-              <a:pPr algn="ctr"/>
-              <a:t>18</a:t>
-            </a:fld>
-            <a:r>
-              <a:rPr lang="pt-PT" sz="1000" dirty="0"/>
-              <a:t> -</a:t>
-            </a:r>
-          </a:p>
-        </p:txBody>
-      </p:sp>
-      <p:sp>
-        <p:nvSpPr>
           <p:cNvPr id="9229" name="Text Box 13"/>
           <p:cNvSpPr txBox="1">
             <a:spLocks noChangeArrowheads="1"/>
@@ -14628,7 +14534,7 @@
         <p:spPr bwMode="auto">
           <a:xfrm>
             <a:off x="306388" y="557213"/>
-            <a:ext cx="6981825" cy="400050"/>
+            <a:ext cx="6981825" cy="400110"/>
           </a:xfrm>
           <a:prstGeom prst="rect">
             <a:avLst/>
@@ -14679,1058 +14585,6 @@
                 <a:latin typeface="Arial"/>
                 <a:cs typeface="Arial"/>
               </a:rPr>
-              <a:t> 1. Conclusão</a:t>
-            </a:r>
-            <a:endParaRPr lang="pt-PT" sz="2000" b="1" dirty="0">
-              <a:effectLst>
-                <a:outerShdw blurRad="38100" dist="38100" dir="2700000" algn="tl">
-                  <a:srgbClr val="C0C0C0"/>
-                </a:outerShdw>
-              </a:effectLst>
-              <a:latin typeface="Arial" charset="0"/>
-            </a:endParaRPr>
-          </a:p>
-        </p:txBody>
-      </p:sp>
-      <p:sp>
-        <p:nvSpPr>
-          <p:cNvPr id="10247" name="Line 15"/>
-          <p:cNvSpPr>
-            <a:spLocks noChangeShapeType="1"/>
-          </p:cNvSpPr>
-          <p:nvPr/>
-        </p:nvSpPr>
-        <p:spPr bwMode="auto">
-          <a:xfrm>
-            <a:off x="250825" y="0"/>
-            <a:ext cx="0" cy="765175"/>
-          </a:xfrm>
-          <a:prstGeom prst="line">
-            <a:avLst/>
-          </a:prstGeom>
-          <a:noFill/>
-          <a:ln w="25400">
-            <a:solidFill>
-              <a:schemeClr val="tx1"/>
-            </a:solidFill>
-            <a:round/>
-            <a:headEnd/>
-            <a:tailEnd/>
-          </a:ln>
-        </p:spPr>
-        <p:txBody>
-          <a:bodyPr/>
-          <a:lstStyle/>
-          <a:p>
-            <a:endParaRPr lang="pt-PT"/>
-          </a:p>
-        </p:txBody>
-      </p:sp>
-      <p:sp>
-        <p:nvSpPr>
-          <p:cNvPr id="9237" name="Text Box 21"/>
-          <p:cNvSpPr txBox="1">
-            <a:spLocks noChangeArrowheads="1"/>
-          </p:cNvSpPr>
-          <p:nvPr/>
-        </p:nvSpPr>
-        <p:spPr bwMode="auto">
-          <a:xfrm>
-            <a:off x="381001" y="44450"/>
-            <a:ext cx="6138752" cy="276999"/>
-          </a:xfrm>
-          <a:prstGeom prst="rect">
-            <a:avLst/>
-          </a:prstGeom>
-          <a:noFill/>
-          <a:ln w="9525">
-            <a:noFill/>
-            <a:miter lim="800000"/>
-            <a:headEnd/>
-            <a:tailEnd/>
-          </a:ln>
-          <a:effectLst/>
-        </p:spPr>
-        <p:txBody>
-          <a:bodyPr wrap="square">
-            <a:spAutoFit/>
-          </a:bodyPr>
-          <a:lstStyle/>
-          <a:p>
-            <a:pPr>
-              <a:spcBef>
-                <a:spcPct val="50000"/>
-              </a:spcBef>
-              <a:defRPr/>
-            </a:pPr>
-            <a:r>
-              <a:rPr lang="pt-PT" sz="1200" b="1" dirty="0">
-                <a:solidFill>
-                  <a:srgbClr val="FF3300"/>
-                </a:solidFill>
-                <a:effectLst>
-                  <a:outerShdw blurRad="38100" dist="38100" dir="2700000" algn="tl">
-                    <a:srgbClr val="C0C0C0"/>
-                  </a:outerShdw>
-                </a:effectLst>
-                <a:latin typeface="Arial" charset="0"/>
-              </a:rPr>
-              <a:t>INTEGRAÇÃO DE SISTEMAS – TRABALHO PRÁTICO N.º 2</a:t>
-            </a:r>
-          </a:p>
-        </p:txBody>
-      </p:sp>
-      <p:sp>
-        <p:nvSpPr>
-          <p:cNvPr id="19" name="Marcador de Posição de Conteúdo 2"/>
-          <p:cNvSpPr txBox="1">
-            <a:spLocks/>
-          </p:cNvSpPr>
-          <p:nvPr/>
-        </p:nvSpPr>
-        <p:spPr>
-          <a:xfrm>
-            <a:off x="457200" y="1219200"/>
-            <a:ext cx="8229600" cy="4937760"/>
-          </a:xfrm>
-          <a:prstGeom prst="rect">
-            <a:avLst/>
-          </a:prstGeom>
-        </p:spPr>
-        <p:txBody>
-          <a:bodyPr vert="horz" lIns="91440" tIns="45720" rIns="91440" bIns="45720" rtlCol="0">
-            <a:normAutofit/>
-          </a:bodyPr>
-          <a:lstStyle/>
-          <a:p>
-            <a:pPr>
-              <a:lnSpc>
-                <a:spcPct val="150000"/>
-              </a:lnSpc>
-            </a:pPr>
-            <a:endParaRPr lang="en-US" dirty="0">
-              <a:latin typeface="Arial" pitchFamily="34" charset="0"/>
-              <a:cs typeface="Arial" pitchFamily="34" charset="0"/>
-            </a:endParaRPr>
-          </a:p>
-          <a:p>
-            <a:pPr>
-              <a:lnSpc>
-                <a:spcPct val="200000"/>
-              </a:lnSpc>
-              <a:spcBef>
-                <a:spcPct val="20000"/>
-              </a:spcBef>
-            </a:pPr>
-            <a:endParaRPr lang="pt-PT" sz="2000" dirty="0">
-              <a:latin typeface="Arial" pitchFamily="34" charset="0"/>
-              <a:cs typeface="Arial" pitchFamily="34" charset="0"/>
-            </a:endParaRPr>
-          </a:p>
-          <a:p>
-            <a:pPr lvl="0">
-              <a:lnSpc>
-                <a:spcPct val="200000"/>
-              </a:lnSpc>
-              <a:spcBef>
-                <a:spcPct val="20000"/>
-              </a:spcBef>
-            </a:pPr>
-            <a:endParaRPr kumimoji="0" lang="pt-PT" sz="2000" b="0" i="0" u="none" strike="noStrike" kern="1200" cap="none" spc="0" normalizeH="0" baseline="0" noProof="0" dirty="0">
-              <a:ln>
-                <a:noFill/>
-              </a:ln>
-              <a:effectLst/>
-              <a:uLnTx/>
-              <a:uFillTx/>
-              <a:latin typeface="Arial" pitchFamily="34" charset="0"/>
-              <a:cs typeface="Arial" pitchFamily="34" charset="0"/>
-            </a:endParaRPr>
-          </a:p>
-          <a:p>
-            <a:pPr marL="457200" marR="0" lvl="1" indent="0" defTabSz="914400" rtl="0" eaLnBrk="1" fontAlgn="auto" latinLnBrk="0" hangingPunct="1">
-              <a:lnSpc>
-                <a:spcPct val="200000"/>
-              </a:lnSpc>
-              <a:spcBef>
-                <a:spcPct val="20000"/>
-              </a:spcBef>
-              <a:spcAft>
-                <a:spcPts val="0"/>
-              </a:spcAft>
-              <a:buClrTx/>
-              <a:buSzTx/>
-              <a:buFont typeface="Arial" pitchFamily="34" charset="0"/>
-              <a:buNone/>
-              <a:tabLst/>
-              <a:defRPr/>
-            </a:pPr>
-            <a:endParaRPr kumimoji="0" lang="pt-PT" sz="2000" b="0" i="0" u="none" strike="noStrike" kern="1200" cap="none" spc="0" normalizeH="0" baseline="0" noProof="0" dirty="0">
-              <a:ln>
-                <a:noFill/>
-              </a:ln>
-              <a:effectLst/>
-              <a:uLnTx/>
-              <a:uFillTx/>
-              <a:latin typeface="Arial" pitchFamily="34" charset="0"/>
-              <a:cs typeface="Arial" pitchFamily="34" charset="0"/>
-            </a:endParaRPr>
-          </a:p>
-          <a:p>
-            <a:pPr marL="457200" marR="0" lvl="1" indent="0" defTabSz="914400" rtl="0" eaLnBrk="1" fontAlgn="auto" latinLnBrk="0" hangingPunct="1">
-              <a:lnSpc>
-                <a:spcPct val="200000"/>
-              </a:lnSpc>
-              <a:spcBef>
-                <a:spcPct val="20000"/>
-              </a:spcBef>
-              <a:spcAft>
-                <a:spcPts val="0"/>
-              </a:spcAft>
-              <a:buClrTx/>
-              <a:buSzTx/>
-              <a:buFont typeface="Arial" pitchFamily="34" charset="0"/>
-              <a:buNone/>
-              <a:tabLst/>
-              <a:defRPr/>
-            </a:pPr>
-            <a:endParaRPr kumimoji="0" lang="pt-PT" sz="2000" b="0" i="0" u="none" strike="noStrike" kern="1200" cap="none" spc="0" normalizeH="0" baseline="0" noProof="0" dirty="0">
-              <a:ln>
-                <a:noFill/>
-              </a:ln>
-              <a:effectLst/>
-              <a:uLnTx/>
-              <a:uFillTx/>
-              <a:latin typeface="Arial" pitchFamily="34" charset="0"/>
-              <a:cs typeface="Arial" pitchFamily="34" charset="0"/>
-            </a:endParaRPr>
-          </a:p>
-          <a:p>
-            <a:pPr marL="0" marR="0" lvl="0" indent="0" defTabSz="914400" rtl="0" eaLnBrk="1" fontAlgn="auto" latinLnBrk="0" hangingPunct="1">
-              <a:lnSpc>
-                <a:spcPct val="200000"/>
-              </a:lnSpc>
-              <a:spcBef>
-                <a:spcPct val="20000"/>
-              </a:spcBef>
-              <a:spcAft>
-                <a:spcPts val="0"/>
-              </a:spcAft>
-              <a:buClrTx/>
-              <a:buSzTx/>
-              <a:buFont typeface="Arial" pitchFamily="34" charset="0"/>
-              <a:buNone/>
-              <a:tabLst/>
-              <a:defRPr/>
-            </a:pPr>
-            <a:endParaRPr kumimoji="0" lang="pt-PT" sz="2000" b="0" i="0" u="none" strike="noStrike" kern="1200" cap="none" spc="0" normalizeH="0" baseline="0" noProof="0" dirty="0">
-              <a:ln>
-                <a:noFill/>
-              </a:ln>
-              <a:effectLst/>
-              <a:uLnTx/>
-              <a:uFillTx/>
-              <a:latin typeface="Arial" pitchFamily="34" charset="0"/>
-              <a:cs typeface="Arial" pitchFamily="34" charset="0"/>
-            </a:endParaRPr>
-          </a:p>
-          <a:p>
-            <a:pPr marL="0" marR="0" lvl="0" indent="0" defTabSz="914400" rtl="0" eaLnBrk="1" fontAlgn="auto" latinLnBrk="0" hangingPunct="1">
-              <a:lnSpc>
-                <a:spcPct val="200000"/>
-              </a:lnSpc>
-              <a:spcBef>
-                <a:spcPct val="20000"/>
-              </a:spcBef>
-              <a:spcAft>
-                <a:spcPts val="0"/>
-              </a:spcAft>
-              <a:buClrTx/>
-              <a:buSzTx/>
-              <a:buFont typeface="Arial" pitchFamily="34" charset="0"/>
-              <a:buNone/>
-              <a:tabLst/>
-              <a:defRPr/>
-            </a:pPr>
-            <a:endParaRPr kumimoji="0" lang="pt-PT" sz="2000" b="0" i="0" u="none" strike="noStrike" kern="1200" cap="none" spc="0" normalizeH="0" baseline="0" noProof="0" dirty="0">
-              <a:ln>
-                <a:noFill/>
-              </a:ln>
-              <a:effectLst/>
-              <a:uLnTx/>
-              <a:uFillTx/>
-              <a:latin typeface="Arial" pitchFamily="34" charset="0"/>
-              <a:cs typeface="Arial" pitchFamily="34" charset="0"/>
-            </a:endParaRPr>
-          </a:p>
-          <a:p>
-            <a:pPr marL="0" marR="0" lvl="0" indent="0" defTabSz="914400" rtl="0" eaLnBrk="1" fontAlgn="auto" latinLnBrk="0" hangingPunct="1">
-              <a:lnSpc>
-                <a:spcPct val="200000"/>
-              </a:lnSpc>
-              <a:spcBef>
-                <a:spcPct val="20000"/>
-              </a:spcBef>
-              <a:spcAft>
-                <a:spcPts val="0"/>
-              </a:spcAft>
-              <a:buClrTx/>
-              <a:buSzTx/>
-              <a:buFont typeface="Arial" pitchFamily="34" charset="0"/>
-              <a:buNone/>
-              <a:tabLst/>
-              <a:defRPr/>
-            </a:pPr>
-            <a:endParaRPr kumimoji="0" lang="pt-PT" sz="2000" b="0" i="0" u="none" strike="noStrike" kern="1200" cap="none" spc="0" normalizeH="0" baseline="0" noProof="0" dirty="0">
-              <a:ln>
-                <a:noFill/>
-              </a:ln>
-              <a:effectLst/>
-              <a:uLnTx/>
-              <a:uFillTx/>
-              <a:latin typeface="Arial" pitchFamily="34" charset="0"/>
-              <a:cs typeface="Arial" pitchFamily="34" charset="0"/>
-            </a:endParaRPr>
-          </a:p>
-        </p:txBody>
-      </p:sp>
-      <p:pic>
-        <p:nvPicPr>
-          <p:cNvPr id="7" name="Imagem 6">
-            <a:extLst>
-              <a:ext uri="{FF2B5EF4-FFF2-40B4-BE49-F238E27FC236}">
-                <a16:creationId xmlns:a16="http://schemas.microsoft.com/office/drawing/2014/main" id="{54D42837-E70D-4C64-A8A7-E7F751502B92}"/>
-              </a:ext>
-            </a:extLst>
-          </p:cNvPr>
-          <p:cNvPicPr>
-            <a:picLocks noChangeAspect="1"/>
-          </p:cNvPicPr>
-          <p:nvPr/>
-        </p:nvPicPr>
-        <p:blipFill>
-          <a:blip r:embed="rId3"/>
-          <a:stretch>
-            <a:fillRect/>
-          </a:stretch>
-        </p:blipFill>
-        <p:spPr>
-          <a:xfrm>
-            <a:off x="101225" y="904241"/>
-            <a:ext cx="9014192" cy="266482"/>
-          </a:xfrm>
-          <a:prstGeom prst="rect">
-            <a:avLst/>
-          </a:prstGeom>
-        </p:spPr>
-      </p:pic>
-      <p:pic>
-        <p:nvPicPr>
-          <p:cNvPr id="9" name="Imagem 8">
-            <a:extLst>
-              <a:ext uri="{FF2B5EF4-FFF2-40B4-BE49-F238E27FC236}">
-                <a16:creationId xmlns:a16="http://schemas.microsoft.com/office/drawing/2014/main" id="{81982921-1900-46B5-BE82-07BECCD63918}"/>
-              </a:ext>
-            </a:extLst>
-          </p:cNvPr>
-          <p:cNvPicPr>
-            <a:picLocks noChangeAspect="1"/>
-          </p:cNvPicPr>
-          <p:nvPr/>
-        </p:nvPicPr>
-        <p:blipFill>
-          <a:blip r:embed="rId4"/>
-          <a:stretch>
-            <a:fillRect/>
-          </a:stretch>
-        </p:blipFill>
-        <p:spPr>
-          <a:xfrm>
-            <a:off x="0" y="6320212"/>
-            <a:ext cx="9144000" cy="253252"/>
-          </a:xfrm>
-          <a:prstGeom prst="rect">
-            <a:avLst/>
-          </a:prstGeom>
-        </p:spPr>
-      </p:pic>
-      <p:pic>
-        <p:nvPicPr>
-          <p:cNvPr id="13" name="Imagem 12">
-            <a:extLst>
-              <a:ext uri="{FF2B5EF4-FFF2-40B4-BE49-F238E27FC236}">
-                <a16:creationId xmlns:a16="http://schemas.microsoft.com/office/drawing/2014/main" id="{BE263CB9-5E3B-4385-9450-974CDF0F6C7D}"/>
-              </a:ext>
-            </a:extLst>
-          </p:cNvPr>
-          <p:cNvPicPr>
-            <a:picLocks noChangeAspect="1"/>
-          </p:cNvPicPr>
-          <p:nvPr/>
-        </p:nvPicPr>
-        <p:blipFill>
-          <a:blip r:embed="rId5" cstate="print">
-            <a:extLst>
-              <a:ext uri="{28A0092B-C50C-407E-A947-70E740481C1C}">
-                <a14:useLocalDpi xmlns:a14="http://schemas.microsoft.com/office/drawing/2010/main" val="0"/>
-              </a:ext>
-            </a:extLst>
-          </a:blip>
-          <a:stretch>
-            <a:fillRect/>
-          </a:stretch>
-        </p:blipFill>
-        <p:spPr>
-          <a:xfrm>
-            <a:off x="238125" y="6488336"/>
-            <a:ext cx="545959" cy="199802"/>
-          </a:xfrm>
-          <a:prstGeom prst="rect">
-            <a:avLst/>
-          </a:prstGeom>
-        </p:spPr>
-      </p:pic>
-      <p:sp>
-        <p:nvSpPr>
-          <p:cNvPr id="3" name="Rectângulo 19">
-            <a:extLst>
-              <a:ext uri="{FF2B5EF4-FFF2-40B4-BE49-F238E27FC236}">
-                <a16:creationId xmlns:a16="http://schemas.microsoft.com/office/drawing/2014/main" id="{850208AF-C5A5-C009-177D-8C27BB5DCC8B}"/>
-              </a:ext>
-            </a:extLst>
-          </p:cNvPr>
-          <p:cNvSpPr/>
-          <p:nvPr/>
-        </p:nvSpPr>
-        <p:spPr>
-          <a:xfrm>
-            <a:off x="5535613" y="553019"/>
-            <a:ext cx="3505200" cy="261610"/>
-          </a:xfrm>
-          <a:prstGeom prst="rect">
-            <a:avLst/>
-          </a:prstGeom>
-        </p:spPr>
-        <p:txBody>
-          <a:bodyPr wrap="square">
-            <a:spAutoFit/>
-          </a:bodyPr>
-          <a:lstStyle/>
-          <a:p>
-            <a:pPr algn="r"/>
-            <a:r>
-              <a:rPr lang="pt-PT" sz="1100" b="1" cap="all" dirty="0" err="1">
-                <a:highlight>
-                  <a:srgbClr val="FFFF00"/>
-                </a:highlight>
-              </a:rPr>
-              <a:t>Degree</a:t>
-            </a:r>
-            <a:r>
-              <a:rPr lang="pt-PT" sz="1100" b="1" cap="all" dirty="0">
-                <a:highlight>
-                  <a:srgbClr val="FFFF00"/>
-                </a:highlight>
-              </a:rPr>
-              <a:t> IN </a:t>
-            </a:r>
-            <a:r>
-              <a:rPr lang="pt-PT" sz="1100" b="1" cap="all" dirty="0" err="1">
-                <a:highlight>
-                  <a:srgbClr val="FFFF00"/>
-                </a:highlight>
-              </a:rPr>
-              <a:t>Informatics</a:t>
-            </a:r>
-            <a:r>
-              <a:rPr lang="pt-PT" sz="1100" b="1" cap="all" dirty="0">
-                <a:highlight>
-                  <a:srgbClr val="FFFF00"/>
-                </a:highlight>
-              </a:rPr>
-              <a:t> </a:t>
-            </a:r>
-            <a:r>
-              <a:rPr lang="pt-PT" sz="1100" b="1" cap="all" dirty="0" err="1">
-                <a:highlight>
-                  <a:srgbClr val="FFFF00"/>
-                </a:highlight>
-              </a:rPr>
-              <a:t>engineering</a:t>
-            </a:r>
-            <a:endParaRPr lang="pt-PT" sz="1100" dirty="0">
-              <a:highlight>
-                <a:srgbClr val="FFFF00"/>
-              </a:highlight>
-            </a:endParaRPr>
-          </a:p>
-        </p:txBody>
-      </p:sp>
-      <p:pic>
-        <p:nvPicPr>
-          <p:cNvPr id="5" name="Imagem 4">
-            <a:extLst>
-              <a:ext uri="{FF2B5EF4-FFF2-40B4-BE49-F238E27FC236}">
-                <a16:creationId xmlns:a16="http://schemas.microsoft.com/office/drawing/2014/main" id="{4B69841B-4743-42E9-837A-73B87FC5C8CF}"/>
-              </a:ext>
-            </a:extLst>
-          </p:cNvPr>
-          <p:cNvPicPr>
-            <a:picLocks noChangeAspect="1"/>
-          </p:cNvPicPr>
-          <p:nvPr/>
-        </p:nvPicPr>
-        <p:blipFill>
-          <a:blip r:embed="rId6" cstate="print">
-            <a:extLst>
-              <a:ext uri="{28A0092B-C50C-407E-A947-70E740481C1C}">
-                <a14:useLocalDpi xmlns:a14="http://schemas.microsoft.com/office/drawing/2010/main" val="0"/>
-              </a:ext>
-            </a:extLst>
-          </a:blip>
-          <a:stretch>
-            <a:fillRect/>
-          </a:stretch>
-        </p:blipFill>
-        <p:spPr>
-          <a:xfrm>
-            <a:off x="6575316" y="9186"/>
-            <a:ext cx="2575034" cy="639880"/>
-          </a:xfrm>
-          <a:prstGeom prst="rect">
-            <a:avLst/>
-          </a:prstGeom>
-        </p:spPr>
-      </p:pic>
-      <p:sp>
-        <p:nvSpPr>
-          <p:cNvPr id="2" name="Subtítulo 2">
-            <a:extLst>
-              <a:ext uri="{FF2B5EF4-FFF2-40B4-BE49-F238E27FC236}">
-                <a16:creationId xmlns:a16="http://schemas.microsoft.com/office/drawing/2014/main" id="{50369DE4-0D6E-7A10-AF37-333F300DD770}"/>
-              </a:ext>
-            </a:extLst>
-          </p:cNvPr>
-          <p:cNvSpPr txBox="1">
-            <a:spLocks/>
-          </p:cNvSpPr>
-          <p:nvPr/>
-        </p:nvSpPr>
-        <p:spPr>
-          <a:xfrm>
-            <a:off x="836017" y="6524516"/>
-            <a:ext cx="7698382" cy="162409"/>
-          </a:xfrm>
-          <a:prstGeom prst="rect">
-            <a:avLst/>
-          </a:prstGeom>
-        </p:spPr>
-        <p:txBody>
-          <a:bodyPr vert="horz" lIns="68580" tIns="34290" rIns="68580" bIns="34290" rtlCol="0">
-            <a:normAutofit fontScale="92500" lnSpcReduction="20000"/>
-          </a:bodyPr>
-          <a:lstStyle>
-            <a:lvl1pPr marL="0" indent="0" algn="ctr" defTabSz="914400" rtl="0" eaLnBrk="1" latinLnBrk="0" hangingPunct="1">
-              <a:lnSpc>
-                <a:spcPct val="90000"/>
-              </a:lnSpc>
-              <a:spcBef>
-                <a:spcPts val="1000"/>
-              </a:spcBef>
-              <a:buFont typeface="Arial" panose="020B0604020202020204" pitchFamily="34" charset="0"/>
-              <a:buNone/>
-              <a:defRPr sz="2400" kern="1200">
-                <a:solidFill>
-                  <a:schemeClr val="tx1"/>
-                </a:solidFill>
-                <a:latin typeface="+mn-lt"/>
-                <a:ea typeface="+mn-ea"/>
-                <a:cs typeface="+mn-cs"/>
-              </a:defRPr>
-            </a:lvl1pPr>
-            <a:lvl2pPr marL="457200" indent="0" algn="ctr" defTabSz="914400" rtl="0" eaLnBrk="1" latinLnBrk="0" hangingPunct="1">
-              <a:lnSpc>
-                <a:spcPct val="90000"/>
-              </a:lnSpc>
-              <a:spcBef>
-                <a:spcPts val="500"/>
-              </a:spcBef>
-              <a:buFont typeface="Arial" panose="020B0604020202020204" pitchFamily="34" charset="0"/>
-              <a:buNone/>
-              <a:defRPr sz="2000" kern="1200">
-                <a:solidFill>
-                  <a:schemeClr val="tx1"/>
-                </a:solidFill>
-                <a:latin typeface="+mn-lt"/>
-                <a:ea typeface="+mn-ea"/>
-                <a:cs typeface="+mn-cs"/>
-              </a:defRPr>
-            </a:lvl2pPr>
-            <a:lvl3pPr marL="914400" indent="0" algn="ctr" defTabSz="914400" rtl="0" eaLnBrk="1" latinLnBrk="0" hangingPunct="1">
-              <a:lnSpc>
-                <a:spcPct val="90000"/>
-              </a:lnSpc>
-              <a:spcBef>
-                <a:spcPts val="500"/>
-              </a:spcBef>
-              <a:buFont typeface="Arial" panose="020B0604020202020204" pitchFamily="34" charset="0"/>
-              <a:buNone/>
-              <a:defRPr sz="1800" kern="1200">
-                <a:solidFill>
-                  <a:schemeClr val="tx1"/>
-                </a:solidFill>
-                <a:latin typeface="+mn-lt"/>
-                <a:ea typeface="+mn-ea"/>
-                <a:cs typeface="+mn-cs"/>
-              </a:defRPr>
-            </a:lvl3pPr>
-            <a:lvl4pPr marL="1371600" indent="0" algn="ctr" defTabSz="914400" rtl="0" eaLnBrk="1" latinLnBrk="0" hangingPunct="1">
-              <a:lnSpc>
-                <a:spcPct val="90000"/>
-              </a:lnSpc>
-              <a:spcBef>
-                <a:spcPts val="500"/>
-              </a:spcBef>
-              <a:buFont typeface="Arial" panose="020B0604020202020204" pitchFamily="34" charset="0"/>
-              <a:buNone/>
-              <a:defRPr sz="1600" kern="1200">
-                <a:solidFill>
-                  <a:schemeClr val="tx1"/>
-                </a:solidFill>
-                <a:latin typeface="+mn-lt"/>
-                <a:ea typeface="+mn-ea"/>
-                <a:cs typeface="+mn-cs"/>
-              </a:defRPr>
-            </a:lvl4pPr>
-            <a:lvl5pPr marL="1828800" indent="0" algn="ctr" defTabSz="914400" rtl="0" eaLnBrk="1" latinLnBrk="0" hangingPunct="1">
-              <a:lnSpc>
-                <a:spcPct val="90000"/>
-              </a:lnSpc>
-              <a:spcBef>
-                <a:spcPts val="500"/>
-              </a:spcBef>
-              <a:buFont typeface="Arial" panose="020B0604020202020204" pitchFamily="34" charset="0"/>
-              <a:buNone/>
-              <a:defRPr sz="1600" kern="1200">
-                <a:solidFill>
-                  <a:schemeClr val="tx1"/>
-                </a:solidFill>
-                <a:latin typeface="+mn-lt"/>
-                <a:ea typeface="+mn-ea"/>
-                <a:cs typeface="+mn-cs"/>
-              </a:defRPr>
-            </a:lvl5pPr>
-            <a:lvl6pPr marL="2286000" indent="0" algn="ctr" defTabSz="914400" rtl="0" eaLnBrk="1" latinLnBrk="0" hangingPunct="1">
-              <a:lnSpc>
-                <a:spcPct val="90000"/>
-              </a:lnSpc>
-              <a:spcBef>
-                <a:spcPts val="500"/>
-              </a:spcBef>
-              <a:buFont typeface="Arial" panose="020B0604020202020204" pitchFamily="34" charset="0"/>
-              <a:buNone/>
-              <a:defRPr sz="1600" kern="1200">
-                <a:solidFill>
-                  <a:schemeClr val="tx1"/>
-                </a:solidFill>
-                <a:latin typeface="+mn-lt"/>
-                <a:ea typeface="+mn-ea"/>
-                <a:cs typeface="+mn-cs"/>
-              </a:defRPr>
-            </a:lvl6pPr>
-            <a:lvl7pPr marL="2743200" indent="0" algn="ctr" defTabSz="914400" rtl="0" eaLnBrk="1" latinLnBrk="0" hangingPunct="1">
-              <a:lnSpc>
-                <a:spcPct val="90000"/>
-              </a:lnSpc>
-              <a:spcBef>
-                <a:spcPts val="500"/>
-              </a:spcBef>
-              <a:buFont typeface="Arial" panose="020B0604020202020204" pitchFamily="34" charset="0"/>
-              <a:buNone/>
-              <a:defRPr sz="1600" kern="1200">
-                <a:solidFill>
-                  <a:schemeClr val="tx1"/>
-                </a:solidFill>
-                <a:latin typeface="+mn-lt"/>
-                <a:ea typeface="+mn-ea"/>
-                <a:cs typeface="+mn-cs"/>
-              </a:defRPr>
-            </a:lvl7pPr>
-            <a:lvl8pPr marL="3200400" indent="0" algn="ctr" defTabSz="914400" rtl="0" eaLnBrk="1" latinLnBrk="0" hangingPunct="1">
-              <a:lnSpc>
-                <a:spcPct val="90000"/>
-              </a:lnSpc>
-              <a:spcBef>
-                <a:spcPts val="500"/>
-              </a:spcBef>
-              <a:buFont typeface="Arial" panose="020B0604020202020204" pitchFamily="34" charset="0"/>
-              <a:buNone/>
-              <a:defRPr sz="1600" kern="1200">
-                <a:solidFill>
-                  <a:schemeClr val="tx1"/>
-                </a:solidFill>
-                <a:latin typeface="+mn-lt"/>
-                <a:ea typeface="+mn-ea"/>
-                <a:cs typeface="+mn-cs"/>
-              </a:defRPr>
-            </a:lvl8pPr>
-            <a:lvl9pPr marL="3657600" indent="0" algn="ctr" defTabSz="914400" rtl="0" eaLnBrk="1" latinLnBrk="0" hangingPunct="1">
-              <a:lnSpc>
-                <a:spcPct val="90000"/>
-              </a:lnSpc>
-              <a:spcBef>
-                <a:spcPts val="500"/>
-              </a:spcBef>
-              <a:buFont typeface="Arial" panose="020B0604020202020204" pitchFamily="34" charset="0"/>
-              <a:buNone/>
-              <a:defRPr sz="1600" kern="1200">
-                <a:solidFill>
-                  <a:schemeClr val="tx1"/>
-                </a:solidFill>
-                <a:latin typeface="+mn-lt"/>
-                <a:ea typeface="+mn-ea"/>
-                <a:cs typeface="+mn-cs"/>
-              </a:defRPr>
-            </a:lvl9pPr>
-          </a:lstStyle>
-          <a:p>
-            <a:pPr algn="l"/>
-            <a:r>
-              <a:rPr lang="pt-PT" sz="900" dirty="0">
-                <a:latin typeface="Arial" charset="0"/>
-                <a:ea typeface="Arial" charset="0"/>
-                <a:cs typeface="Arial" charset="0"/>
-              </a:rPr>
-              <a:t>João Correia, Luís Carreira| </a:t>
-            </a:r>
-            <a:r>
-              <a:rPr lang="pt-PT" sz="900" b="1" dirty="0">
-                <a:solidFill>
-                  <a:srgbClr val="C00000"/>
-                </a:solidFill>
-                <a:latin typeface="Arial" charset="0"/>
-                <a:ea typeface="Arial" charset="0"/>
-                <a:cs typeface="Arial" charset="0"/>
-              </a:rPr>
-              <a:t>Unidade Curricular: INTEGRAÇÃO DE SISTEMAS </a:t>
-            </a:r>
-            <a:r>
-              <a:rPr lang="pt-PT" sz="900" dirty="0">
-                <a:latin typeface="Arial" charset="0"/>
-                <a:ea typeface="Arial" charset="0"/>
-                <a:cs typeface="Arial" charset="0"/>
-              </a:rPr>
-              <a:t>– Ano Letivo 2022/2023 – </a:t>
-            </a:r>
-            <a:r>
-              <a:rPr lang="pt-PT" sz="900" b="1" dirty="0">
-                <a:latin typeface="Arial" charset="0"/>
-                <a:ea typeface="Arial" charset="0"/>
-                <a:cs typeface="Arial" charset="0"/>
-              </a:rPr>
-              <a:t>Trabalho Prático 2</a:t>
-            </a:r>
-          </a:p>
-        </p:txBody>
-      </p:sp>
-      <p:sp>
-        <p:nvSpPr>
-          <p:cNvPr id="4" name="CaixaDeTexto 3">
-            <a:extLst>
-              <a:ext uri="{FF2B5EF4-FFF2-40B4-BE49-F238E27FC236}">
-                <a16:creationId xmlns:a16="http://schemas.microsoft.com/office/drawing/2014/main" id="{BF2FF784-5DFE-7820-F219-95C6D820750B}"/>
-              </a:ext>
-            </a:extLst>
-          </p:cNvPr>
-          <p:cNvSpPr txBox="1"/>
-          <p:nvPr/>
-        </p:nvSpPr>
-        <p:spPr>
-          <a:xfrm>
-            <a:off x="306388" y="1159837"/>
-            <a:ext cx="8659812" cy="5626156"/>
-          </a:xfrm>
-          <a:prstGeom prst="rect">
-            <a:avLst/>
-          </a:prstGeom>
-          <a:noFill/>
-        </p:spPr>
-        <p:txBody>
-          <a:bodyPr wrap="square" rtlCol="0">
-            <a:spAutoFit/>
-          </a:bodyPr>
-          <a:lstStyle/>
-          <a:p>
-            <a:pPr algn="just">
-              <a:lnSpc>
-                <a:spcPct val="200000"/>
-              </a:lnSpc>
-              <a:spcBef>
-                <a:spcPct val="20000"/>
-              </a:spcBef>
-            </a:pPr>
-            <a:r>
-              <a:rPr lang="pt-PT" sz="1400" dirty="0">
-                <a:latin typeface="Arial" pitchFamily="34" charset="0"/>
-                <a:cs typeface="Arial" pitchFamily="34" charset="0"/>
-              </a:rPr>
-              <a:t>Neste trabalho, que nos foi fornecido/proposto pelos docentes Jorge Ribeiro e Luís Teófilo na unidade curricular de Integração de Sistemas, foi pretendido realizar a conversão de dados de um ficheiro </a:t>
-            </a:r>
-            <a:r>
-              <a:rPr lang="pt-PT" sz="1400" dirty="0" err="1">
-                <a:latin typeface="Arial" pitchFamily="34" charset="0"/>
-                <a:cs typeface="Arial" pitchFamily="34" charset="0"/>
-              </a:rPr>
-              <a:t>csv</a:t>
-            </a:r>
-            <a:r>
-              <a:rPr lang="pt-PT" sz="1400" dirty="0">
-                <a:latin typeface="Arial" pitchFamily="34" charset="0"/>
-                <a:cs typeface="Arial" pitchFamily="34" charset="0"/>
-              </a:rPr>
-              <a:t> para </a:t>
-            </a:r>
-            <a:r>
-              <a:rPr lang="pt-PT" sz="1400" dirty="0" err="1">
-                <a:latin typeface="Arial" pitchFamily="34" charset="0"/>
-                <a:cs typeface="Arial" pitchFamily="34" charset="0"/>
-              </a:rPr>
-              <a:t>xml</a:t>
-            </a:r>
-            <a:r>
-              <a:rPr lang="pt-PT" sz="1400" dirty="0">
-                <a:latin typeface="Arial" pitchFamily="34" charset="0"/>
-                <a:cs typeface="Arial" pitchFamily="34" charset="0"/>
-              </a:rPr>
-              <a:t> com um formato pretendido, usando um programa em </a:t>
-            </a:r>
-            <a:r>
-              <a:rPr lang="pt-PT" sz="1400" dirty="0" err="1">
-                <a:latin typeface="Arial" pitchFamily="34" charset="0"/>
-                <a:cs typeface="Arial" pitchFamily="34" charset="0"/>
-              </a:rPr>
-              <a:t>Python</a:t>
-            </a:r>
-            <a:r>
-              <a:rPr lang="pt-PT" sz="1400" dirty="0">
-                <a:latin typeface="Arial" pitchFamily="34" charset="0"/>
-                <a:cs typeface="Arial" pitchFamily="34" charset="0"/>
-              </a:rPr>
-              <a:t>. De seguida, inserimos o ficheiro </a:t>
-            </a:r>
-            <a:r>
-              <a:rPr lang="pt-PT" sz="1400" dirty="0" err="1">
-                <a:latin typeface="Arial" pitchFamily="34" charset="0"/>
-                <a:cs typeface="Arial" pitchFamily="34" charset="0"/>
-              </a:rPr>
-              <a:t>xml</a:t>
-            </a:r>
-            <a:r>
-              <a:rPr lang="pt-PT" sz="1400" dirty="0">
-                <a:latin typeface="Arial" pitchFamily="34" charset="0"/>
-                <a:cs typeface="Arial" pitchFamily="34" charset="0"/>
-              </a:rPr>
-              <a:t> já validado numa base de dados </a:t>
-            </a:r>
-            <a:r>
-              <a:rPr lang="pt-PT" sz="1400" dirty="0" err="1">
-                <a:latin typeface="Arial" pitchFamily="34" charset="0"/>
-                <a:cs typeface="Arial" pitchFamily="34" charset="0"/>
-              </a:rPr>
-              <a:t>PostgreSQL</a:t>
-            </a:r>
-            <a:r>
-              <a:rPr lang="pt-PT" sz="1400" dirty="0">
-                <a:latin typeface="Arial" pitchFamily="34" charset="0"/>
-                <a:cs typeface="Arial" pitchFamily="34" charset="0"/>
-              </a:rPr>
-              <a:t>. Feito isto, tivemos de consultar a informação do ficheiro </a:t>
-            </a:r>
-            <a:r>
-              <a:rPr lang="pt-PT" sz="1400" dirty="0" err="1">
-                <a:latin typeface="Arial" pitchFamily="34" charset="0"/>
-                <a:cs typeface="Arial" pitchFamily="34" charset="0"/>
-              </a:rPr>
-              <a:t>xml</a:t>
-            </a:r>
-            <a:r>
-              <a:rPr lang="pt-PT" sz="1400" dirty="0">
-                <a:latin typeface="Arial" pitchFamily="34" charset="0"/>
-                <a:cs typeface="Arial" pitchFamily="34" charset="0"/>
-              </a:rPr>
-              <a:t> gerado e armazena-la numa base de dados relacional. Nesta fase foi implementado outro dos requisitos deste trabalho, que seria utilizar coordenadas geográficas. Por fim, tivemos de implementar interfaces de </a:t>
-            </a:r>
-            <a:r>
-              <a:rPr lang="pt-PT" sz="1400" dirty="0" err="1">
-                <a:latin typeface="Arial" pitchFamily="34" charset="0"/>
-                <a:cs typeface="Arial" pitchFamily="34" charset="0"/>
-              </a:rPr>
-              <a:t>front-end</a:t>
-            </a:r>
-            <a:r>
-              <a:rPr lang="pt-PT" sz="1400" dirty="0">
-                <a:latin typeface="Arial" pitchFamily="34" charset="0"/>
-                <a:cs typeface="Arial" pitchFamily="34" charset="0"/>
-              </a:rPr>
-              <a:t> para fazer consultas na base de dados. Tudo isto foi desenvolvido dentro de um Docker container para facilitar a criação e testagem da nossa “aplicação”.</a:t>
-            </a:r>
-          </a:p>
-          <a:p>
-            <a:pPr algn="just">
-              <a:lnSpc>
-                <a:spcPct val="200000"/>
-              </a:lnSpc>
-              <a:spcBef>
-                <a:spcPct val="20000"/>
-              </a:spcBef>
-            </a:pPr>
-            <a:r>
-              <a:rPr lang="pt-PT" sz="1400" dirty="0">
-                <a:latin typeface="Arial" pitchFamily="34" charset="0"/>
-                <a:cs typeface="Arial" pitchFamily="34" charset="0"/>
-              </a:rPr>
-              <a:t>Neste trabalho prático implementámos o código já desenvolvido pelo professor Luís Teófilo como base do nosso trabalho. Com este trabalho pretende-se rever e aplicar os conhecimentos já adquiridos na UC, tanto nas aulas teóricas como nas práticas , mais nomeadamente, os Sistemas Distribuídos - RPC - </a:t>
-            </a:r>
-            <a:r>
-              <a:rPr lang="pt-PT" sz="1400" dirty="0" err="1">
-                <a:latin typeface="Arial" pitchFamily="34" charset="0"/>
-                <a:cs typeface="Arial" pitchFamily="34" charset="0"/>
-              </a:rPr>
-              <a:t>Remote</a:t>
-            </a:r>
-            <a:r>
-              <a:rPr lang="pt-PT" sz="1400" dirty="0">
-                <a:latin typeface="Arial" pitchFamily="34" charset="0"/>
-                <a:cs typeface="Arial" pitchFamily="34" charset="0"/>
-              </a:rPr>
-              <a:t> </a:t>
-            </a:r>
-            <a:r>
-              <a:rPr lang="pt-PT" sz="1400" dirty="0" err="1">
-                <a:latin typeface="Arial" pitchFamily="34" charset="0"/>
-                <a:cs typeface="Arial" pitchFamily="34" charset="0"/>
-              </a:rPr>
-              <a:t>Procedure</a:t>
-            </a:r>
-            <a:r>
-              <a:rPr lang="pt-PT" sz="1400" dirty="0">
-                <a:latin typeface="Arial" pitchFamily="34" charset="0"/>
-                <a:cs typeface="Arial" pitchFamily="34" charset="0"/>
-              </a:rPr>
-              <a:t> </a:t>
-            </a:r>
-            <a:r>
-              <a:rPr lang="pt-PT" sz="1400" dirty="0" err="1">
-                <a:latin typeface="Arial" pitchFamily="34" charset="0"/>
-                <a:cs typeface="Arial" pitchFamily="34" charset="0"/>
-              </a:rPr>
-              <a:t>Call</a:t>
-            </a:r>
-            <a:r>
-              <a:rPr lang="pt-PT" sz="1400" dirty="0">
-                <a:latin typeface="Arial" pitchFamily="34" charset="0"/>
-                <a:cs typeface="Arial" pitchFamily="34" charset="0"/>
-              </a:rPr>
-              <a:t>.</a:t>
-            </a:r>
-          </a:p>
-          <a:p>
-            <a:endParaRPr lang="pt-PT" dirty="0"/>
-          </a:p>
-        </p:txBody>
-      </p:sp>
-    </p:spTree>
-    <p:extLst>
-      <p:ext uri="{BB962C8B-B14F-4D97-AF65-F5344CB8AC3E}">
-        <p14:creationId xmlns:p14="http://schemas.microsoft.com/office/powerpoint/2010/main" val="1880298789"/>
-      </p:ext>
-    </p:extLst>
-  </p:cSld>
-  <p:clrMapOvr>
-    <a:masterClrMapping/>
-  </p:clrMapOvr>
-</p:sld>
-</file>
-
-<file path=ppt/slides/slide19.xml><?xml version="1.0" encoding="utf-8"?>
-<p:sld xmlns:a="http://schemas.openxmlformats.org/drawingml/2006/main" xmlns:r="http://schemas.openxmlformats.org/officeDocument/2006/relationships" xmlns:p="http://schemas.openxmlformats.org/presentationml/2006/main">
-  <p:cSld>
-    <p:spTree>
-      <p:nvGrpSpPr>
-        <p:cNvPr id="1" name=""/>
-        <p:cNvGrpSpPr/>
-        <p:nvPr/>
-      </p:nvGrpSpPr>
-      <p:grpSpPr>
-        <a:xfrm>
-          <a:off x="0" y="0"/>
-          <a:ext cx="0" cy="0"/>
-          <a:chOff x="0" y="0"/>
-          <a:chExt cx="0" cy="0"/>
-        </a:xfrm>
-      </p:grpSpPr>
-      <p:sp>
-        <p:nvSpPr>
-          <p:cNvPr id="9229" name="Text Box 13"/>
-          <p:cNvSpPr txBox="1">
-            <a:spLocks noChangeArrowheads="1"/>
-          </p:cNvSpPr>
-          <p:nvPr/>
-        </p:nvSpPr>
-        <p:spPr bwMode="auto">
-          <a:xfrm>
-            <a:off x="306388" y="557213"/>
-            <a:ext cx="6981825" cy="400110"/>
-          </a:xfrm>
-          <a:prstGeom prst="rect">
-            <a:avLst/>
-          </a:prstGeom>
-          <a:noFill/>
-          <a:ln w="9525">
-            <a:noFill/>
-            <a:miter lim="800000"/>
-            <a:headEnd/>
-            <a:tailEnd/>
-          </a:ln>
-          <a:effectLst/>
-        </p:spPr>
-        <p:txBody>
-          <a:bodyPr>
-            <a:spAutoFit/>
-          </a:bodyPr>
-          <a:lstStyle/>
-          <a:p>
-            <a:pPr>
-              <a:spcBef>
-                <a:spcPct val="50000"/>
-              </a:spcBef>
-              <a:defRPr/>
-            </a:pPr>
-            <a:r>
-              <a:rPr lang="pt-PT" sz="2000" b="1" dirty="0">
-                <a:solidFill>
-                  <a:srgbClr val="C00000"/>
-                </a:solidFill>
-                <a:effectLst>
-                  <a:outerShdw blurRad="38100" dist="38100" dir="2700000" algn="tl">
-                    <a:srgbClr val="C0C0C0"/>
-                  </a:outerShdw>
-                </a:effectLst>
-                <a:latin typeface="Arial"/>
-                <a:cs typeface="Arial"/>
-              </a:rPr>
-              <a:t>■</a:t>
-            </a:r>
-            <a:r>
-              <a:rPr lang="pt-PT" sz="2000" b="1" dirty="0">
-                <a:effectLst>
-                  <a:outerShdw blurRad="38100" dist="38100" dir="2700000" algn="tl">
-                    <a:srgbClr val="C0C0C0"/>
-                  </a:outerShdw>
-                </a:effectLst>
-                <a:latin typeface="Arial"/>
-                <a:cs typeface="Arial"/>
-              </a:rPr>
               <a:t> </a:t>
             </a:r>
             <a:r>
@@ -15743,7 +14597,7 @@
                 <a:latin typeface="Arial" pitchFamily="34" charset="0"/>
                 <a:cs typeface="Arial" pitchFamily="34" charset="0"/>
               </a:rPr>
-              <a:t>9</a:t>
+              <a:t>7</a:t>
             </a:r>
             <a:r>
               <a:rPr lang="en-US" sz="2000" b="1" dirty="0">
@@ -16407,7 +15261,7 @@
             <a:fld id="{1234D2FF-8FB9-47A1-B8C9-42A5F500BA2F}" type="slidenum">
               <a:rPr lang="pt-PT" sz="1000"/>
               <a:pPr algn="ctr"/>
-              <a:t>19</a:t>
+              <a:t>18</a:t>
             </a:fld>
             <a:r>
               <a:rPr lang="pt-PT" sz="1000" dirty="0"/>
@@ -16808,1248 +15662,7 @@
 </p:sld>
 </file>
 
-<file path=ppt/slides/slide2.xml><?xml version="1.0" encoding="utf-8"?>
-<p:sld xmlns:a="http://schemas.openxmlformats.org/drawingml/2006/main" xmlns:r="http://schemas.openxmlformats.org/officeDocument/2006/relationships" xmlns:p="http://schemas.openxmlformats.org/presentationml/2006/main">
-  <p:cSld>
-    <p:spTree>
-      <p:nvGrpSpPr>
-        <p:cNvPr id="1" name=""/>
-        <p:cNvGrpSpPr/>
-        <p:nvPr/>
-      </p:nvGrpSpPr>
-      <p:grpSpPr>
-        <a:xfrm>
-          <a:off x="0" y="0"/>
-          <a:ext cx="0" cy="0"/>
-          <a:chOff x="0" y="0"/>
-          <a:chExt cx="0" cy="0"/>
-        </a:xfrm>
-      </p:grpSpPr>
-      <p:sp>
-        <p:nvSpPr>
-          <p:cNvPr id="10243" name="Text Box 10"/>
-          <p:cNvSpPr txBox="1">
-            <a:spLocks noChangeArrowheads="1"/>
-          </p:cNvSpPr>
-          <p:nvPr/>
-        </p:nvSpPr>
-        <p:spPr bwMode="auto">
-          <a:xfrm>
-            <a:off x="8288338" y="6296025"/>
-            <a:ext cx="827087" cy="366713"/>
-          </a:xfrm>
-          <a:prstGeom prst="rect">
-            <a:avLst/>
-          </a:prstGeom>
-          <a:noFill/>
-          <a:ln w="9525">
-            <a:noFill/>
-            <a:miter lim="800000"/>
-            <a:headEnd/>
-            <a:tailEnd/>
-          </a:ln>
-        </p:spPr>
-        <p:txBody>
-          <a:bodyPr>
-            <a:spAutoFit/>
-          </a:bodyPr>
-          <a:lstStyle/>
-          <a:p>
-            <a:pPr>
-              <a:spcBef>
-                <a:spcPct val="50000"/>
-              </a:spcBef>
-            </a:pPr>
-            <a:endParaRPr lang="pt-PT"/>
-          </a:p>
-        </p:txBody>
-      </p:sp>
-      <p:sp>
-        <p:nvSpPr>
-          <p:cNvPr id="10244" name="Rectangle 11"/>
-          <p:cNvSpPr>
-            <a:spLocks noChangeArrowheads="1"/>
-          </p:cNvSpPr>
-          <p:nvPr/>
-        </p:nvSpPr>
-        <p:spPr bwMode="auto">
-          <a:xfrm>
-            <a:off x="8327571" y="6496091"/>
-            <a:ext cx="936625" cy="260350"/>
-          </a:xfrm>
-          <a:prstGeom prst="rect">
-            <a:avLst/>
-          </a:prstGeom>
-          <a:noFill/>
-          <a:ln w="9525">
-            <a:noFill/>
-            <a:miter lim="800000"/>
-            <a:headEnd/>
-            <a:tailEnd/>
-          </a:ln>
-        </p:spPr>
-        <p:txBody>
-          <a:bodyPr anchor="ctr"/>
-          <a:lstStyle/>
-          <a:p>
-            <a:pPr algn="ctr"/>
-            <a:r>
-              <a:rPr lang="pt-PT" sz="1000" dirty="0"/>
-              <a:t>- </a:t>
-            </a:r>
-            <a:fld id="{1234D2FF-8FB9-47A1-B8C9-42A5F500BA2F}" type="slidenum">
-              <a:rPr lang="pt-PT" sz="1000"/>
-              <a:pPr algn="ctr"/>
-              <a:t>2</a:t>
-            </a:fld>
-            <a:r>
-              <a:rPr lang="pt-PT" sz="1000" dirty="0"/>
-              <a:t> -</a:t>
-            </a:r>
-          </a:p>
-        </p:txBody>
-      </p:sp>
-      <p:sp>
-        <p:nvSpPr>
-          <p:cNvPr id="9229" name="Text Box 13"/>
-          <p:cNvSpPr txBox="1">
-            <a:spLocks noChangeArrowheads="1"/>
-          </p:cNvSpPr>
-          <p:nvPr/>
-        </p:nvSpPr>
-        <p:spPr bwMode="auto">
-          <a:xfrm>
-            <a:off x="306388" y="557213"/>
-            <a:ext cx="6981825" cy="400050"/>
-          </a:xfrm>
-          <a:prstGeom prst="rect">
-            <a:avLst/>
-          </a:prstGeom>
-          <a:noFill/>
-          <a:ln w="9525">
-            <a:noFill/>
-            <a:miter lim="800000"/>
-            <a:headEnd/>
-            <a:tailEnd/>
-          </a:ln>
-          <a:effectLst/>
-        </p:spPr>
-        <p:txBody>
-          <a:bodyPr>
-            <a:spAutoFit/>
-          </a:bodyPr>
-          <a:lstStyle/>
-          <a:p>
-            <a:pPr>
-              <a:spcBef>
-                <a:spcPct val="50000"/>
-              </a:spcBef>
-              <a:defRPr/>
-            </a:pPr>
-            <a:r>
-              <a:rPr lang="pt-PT" sz="2000" b="1" dirty="0">
-                <a:solidFill>
-                  <a:srgbClr val="C00000"/>
-                </a:solidFill>
-                <a:effectLst>
-                  <a:outerShdw blurRad="38100" dist="38100" dir="2700000" algn="tl">
-                    <a:srgbClr val="C0C0C0"/>
-                  </a:outerShdw>
-                </a:effectLst>
-                <a:latin typeface="Arial"/>
-                <a:cs typeface="Arial"/>
-              </a:rPr>
-              <a:t>■</a:t>
-            </a:r>
-            <a:r>
-              <a:rPr lang="pt-PT" sz="2000" b="1" dirty="0">
-                <a:effectLst>
-                  <a:outerShdw blurRad="38100" dist="38100" dir="2700000" algn="tl">
-                    <a:srgbClr val="C0C0C0"/>
-                  </a:outerShdw>
-                </a:effectLst>
-                <a:latin typeface="Arial"/>
-                <a:cs typeface="Arial"/>
-              </a:rPr>
-              <a:t> Índice</a:t>
-            </a:r>
-            <a:endParaRPr lang="pt-PT" sz="2000" b="1" dirty="0">
-              <a:effectLst>
-                <a:outerShdw blurRad="38100" dist="38100" dir="2700000" algn="tl">
-                  <a:srgbClr val="C0C0C0"/>
-                </a:outerShdw>
-              </a:effectLst>
-              <a:latin typeface="Arial" charset="0"/>
-            </a:endParaRPr>
-          </a:p>
-        </p:txBody>
-      </p:sp>
-      <p:sp>
-        <p:nvSpPr>
-          <p:cNvPr id="10247" name="Line 15"/>
-          <p:cNvSpPr>
-            <a:spLocks noChangeShapeType="1"/>
-          </p:cNvSpPr>
-          <p:nvPr/>
-        </p:nvSpPr>
-        <p:spPr bwMode="auto">
-          <a:xfrm>
-            <a:off x="250825" y="0"/>
-            <a:ext cx="0" cy="765175"/>
-          </a:xfrm>
-          <a:prstGeom prst="line">
-            <a:avLst/>
-          </a:prstGeom>
-          <a:noFill/>
-          <a:ln w="25400">
-            <a:solidFill>
-              <a:schemeClr val="tx1"/>
-            </a:solidFill>
-            <a:round/>
-            <a:headEnd/>
-            <a:tailEnd/>
-          </a:ln>
-        </p:spPr>
-        <p:txBody>
-          <a:bodyPr/>
-          <a:lstStyle/>
-          <a:p>
-            <a:endParaRPr lang="pt-PT"/>
-          </a:p>
-        </p:txBody>
-      </p:sp>
-      <p:sp>
-        <p:nvSpPr>
-          <p:cNvPr id="9237" name="Text Box 21"/>
-          <p:cNvSpPr txBox="1">
-            <a:spLocks noChangeArrowheads="1"/>
-          </p:cNvSpPr>
-          <p:nvPr/>
-        </p:nvSpPr>
-        <p:spPr bwMode="auto">
-          <a:xfrm>
-            <a:off x="381001" y="44450"/>
-            <a:ext cx="6138752" cy="276999"/>
-          </a:xfrm>
-          <a:prstGeom prst="rect">
-            <a:avLst/>
-          </a:prstGeom>
-          <a:noFill/>
-          <a:ln w="9525">
-            <a:noFill/>
-            <a:miter lim="800000"/>
-            <a:headEnd/>
-            <a:tailEnd/>
-          </a:ln>
-          <a:effectLst/>
-        </p:spPr>
-        <p:txBody>
-          <a:bodyPr wrap="square">
-            <a:spAutoFit/>
-          </a:bodyPr>
-          <a:lstStyle/>
-          <a:p>
-            <a:pPr>
-              <a:spcBef>
-                <a:spcPct val="50000"/>
-              </a:spcBef>
-              <a:defRPr/>
-            </a:pPr>
-            <a:r>
-              <a:rPr lang="pt-PT" sz="1200" b="1" dirty="0">
-                <a:solidFill>
-                  <a:srgbClr val="FF3300"/>
-                </a:solidFill>
-                <a:effectLst>
-                  <a:outerShdw blurRad="38100" dist="38100" dir="2700000" algn="tl">
-                    <a:srgbClr val="C0C0C0"/>
-                  </a:outerShdw>
-                </a:effectLst>
-                <a:latin typeface="Arial" charset="0"/>
-              </a:rPr>
-              <a:t>INTEGRAÇÃO DE SISTEMAS – TRABALHO PRÁTICO N.º 2</a:t>
-            </a:r>
-          </a:p>
-        </p:txBody>
-      </p:sp>
-      <p:sp>
-        <p:nvSpPr>
-          <p:cNvPr id="19" name="Marcador de Posição de Conteúdo 2"/>
-          <p:cNvSpPr txBox="1">
-            <a:spLocks/>
-          </p:cNvSpPr>
-          <p:nvPr/>
-        </p:nvSpPr>
-        <p:spPr>
-          <a:xfrm>
-            <a:off x="457200" y="1219200"/>
-            <a:ext cx="8229600" cy="4937760"/>
-          </a:xfrm>
-          <a:prstGeom prst="rect">
-            <a:avLst/>
-          </a:prstGeom>
-        </p:spPr>
-        <p:txBody>
-          <a:bodyPr vert="horz" lIns="91440" tIns="45720" rIns="91440" bIns="45720" rtlCol="0">
-            <a:normAutofit/>
-          </a:bodyPr>
-          <a:lstStyle/>
-          <a:p>
-            <a:pPr>
-              <a:lnSpc>
-                <a:spcPct val="150000"/>
-              </a:lnSpc>
-            </a:pPr>
-            <a:endParaRPr lang="en-US" dirty="0">
-              <a:latin typeface="Arial" pitchFamily="34" charset="0"/>
-              <a:cs typeface="Arial" pitchFamily="34" charset="0"/>
-            </a:endParaRPr>
-          </a:p>
-          <a:p>
-            <a:pPr>
-              <a:lnSpc>
-                <a:spcPct val="200000"/>
-              </a:lnSpc>
-              <a:spcBef>
-                <a:spcPct val="20000"/>
-              </a:spcBef>
-            </a:pPr>
-            <a:endParaRPr lang="pt-PT" sz="2000" dirty="0">
-              <a:latin typeface="Arial" pitchFamily="34" charset="0"/>
-              <a:cs typeface="Arial" pitchFamily="34" charset="0"/>
-            </a:endParaRPr>
-          </a:p>
-          <a:p>
-            <a:pPr lvl="0">
-              <a:lnSpc>
-                <a:spcPct val="200000"/>
-              </a:lnSpc>
-              <a:spcBef>
-                <a:spcPct val="20000"/>
-              </a:spcBef>
-            </a:pPr>
-            <a:endParaRPr kumimoji="0" lang="pt-PT" sz="2000" b="0" i="0" u="none" strike="noStrike" kern="1200" cap="none" spc="0" normalizeH="0" baseline="0" noProof="0" dirty="0">
-              <a:ln>
-                <a:noFill/>
-              </a:ln>
-              <a:effectLst/>
-              <a:uLnTx/>
-              <a:uFillTx/>
-              <a:latin typeface="Arial" pitchFamily="34" charset="0"/>
-              <a:cs typeface="Arial" pitchFamily="34" charset="0"/>
-            </a:endParaRPr>
-          </a:p>
-          <a:p>
-            <a:pPr marL="457200" marR="0" lvl="1" indent="0" defTabSz="914400" rtl="0" eaLnBrk="1" fontAlgn="auto" latinLnBrk="0" hangingPunct="1">
-              <a:lnSpc>
-                <a:spcPct val="200000"/>
-              </a:lnSpc>
-              <a:spcBef>
-                <a:spcPct val="20000"/>
-              </a:spcBef>
-              <a:spcAft>
-                <a:spcPts val="0"/>
-              </a:spcAft>
-              <a:buClrTx/>
-              <a:buSzTx/>
-              <a:buFont typeface="Arial" pitchFamily="34" charset="0"/>
-              <a:buNone/>
-              <a:tabLst/>
-              <a:defRPr/>
-            </a:pPr>
-            <a:endParaRPr kumimoji="0" lang="pt-PT" sz="2000" b="0" i="0" u="none" strike="noStrike" kern="1200" cap="none" spc="0" normalizeH="0" baseline="0" noProof="0" dirty="0">
-              <a:ln>
-                <a:noFill/>
-              </a:ln>
-              <a:effectLst/>
-              <a:uLnTx/>
-              <a:uFillTx/>
-              <a:latin typeface="Arial" pitchFamily="34" charset="0"/>
-              <a:cs typeface="Arial" pitchFamily="34" charset="0"/>
-            </a:endParaRPr>
-          </a:p>
-          <a:p>
-            <a:pPr marL="457200" marR="0" lvl="1" indent="0" defTabSz="914400" rtl="0" eaLnBrk="1" fontAlgn="auto" latinLnBrk="0" hangingPunct="1">
-              <a:lnSpc>
-                <a:spcPct val="200000"/>
-              </a:lnSpc>
-              <a:spcBef>
-                <a:spcPct val="20000"/>
-              </a:spcBef>
-              <a:spcAft>
-                <a:spcPts val="0"/>
-              </a:spcAft>
-              <a:buClrTx/>
-              <a:buSzTx/>
-              <a:buFont typeface="Arial" pitchFamily="34" charset="0"/>
-              <a:buNone/>
-              <a:tabLst/>
-              <a:defRPr/>
-            </a:pPr>
-            <a:endParaRPr kumimoji="0" lang="pt-PT" sz="2000" b="0" i="0" u="none" strike="noStrike" kern="1200" cap="none" spc="0" normalizeH="0" baseline="0" noProof="0" dirty="0">
-              <a:ln>
-                <a:noFill/>
-              </a:ln>
-              <a:effectLst/>
-              <a:uLnTx/>
-              <a:uFillTx/>
-              <a:latin typeface="Arial" pitchFamily="34" charset="0"/>
-              <a:cs typeface="Arial" pitchFamily="34" charset="0"/>
-            </a:endParaRPr>
-          </a:p>
-          <a:p>
-            <a:pPr marL="0" marR="0" lvl="0" indent="0" defTabSz="914400" rtl="0" eaLnBrk="1" fontAlgn="auto" latinLnBrk="0" hangingPunct="1">
-              <a:lnSpc>
-                <a:spcPct val="200000"/>
-              </a:lnSpc>
-              <a:spcBef>
-                <a:spcPct val="20000"/>
-              </a:spcBef>
-              <a:spcAft>
-                <a:spcPts val="0"/>
-              </a:spcAft>
-              <a:buClrTx/>
-              <a:buSzTx/>
-              <a:buFont typeface="Arial" pitchFamily="34" charset="0"/>
-              <a:buNone/>
-              <a:tabLst/>
-              <a:defRPr/>
-            </a:pPr>
-            <a:endParaRPr kumimoji="0" lang="pt-PT" sz="2000" b="0" i="0" u="none" strike="noStrike" kern="1200" cap="none" spc="0" normalizeH="0" baseline="0" noProof="0" dirty="0">
-              <a:ln>
-                <a:noFill/>
-              </a:ln>
-              <a:effectLst/>
-              <a:uLnTx/>
-              <a:uFillTx/>
-              <a:latin typeface="Arial" pitchFamily="34" charset="0"/>
-              <a:cs typeface="Arial" pitchFamily="34" charset="0"/>
-            </a:endParaRPr>
-          </a:p>
-          <a:p>
-            <a:pPr marL="0" marR="0" lvl="0" indent="0" defTabSz="914400" rtl="0" eaLnBrk="1" fontAlgn="auto" latinLnBrk="0" hangingPunct="1">
-              <a:lnSpc>
-                <a:spcPct val="200000"/>
-              </a:lnSpc>
-              <a:spcBef>
-                <a:spcPct val="20000"/>
-              </a:spcBef>
-              <a:spcAft>
-                <a:spcPts val="0"/>
-              </a:spcAft>
-              <a:buClrTx/>
-              <a:buSzTx/>
-              <a:buFont typeface="Arial" pitchFamily="34" charset="0"/>
-              <a:buNone/>
-              <a:tabLst/>
-              <a:defRPr/>
-            </a:pPr>
-            <a:endParaRPr kumimoji="0" lang="pt-PT" sz="2000" b="0" i="0" u="none" strike="noStrike" kern="1200" cap="none" spc="0" normalizeH="0" baseline="0" noProof="0" dirty="0">
-              <a:ln>
-                <a:noFill/>
-              </a:ln>
-              <a:effectLst/>
-              <a:uLnTx/>
-              <a:uFillTx/>
-              <a:latin typeface="Arial" pitchFamily="34" charset="0"/>
-              <a:cs typeface="Arial" pitchFamily="34" charset="0"/>
-            </a:endParaRPr>
-          </a:p>
-          <a:p>
-            <a:pPr marL="0" marR="0" lvl="0" indent="0" defTabSz="914400" rtl="0" eaLnBrk="1" fontAlgn="auto" latinLnBrk="0" hangingPunct="1">
-              <a:lnSpc>
-                <a:spcPct val="200000"/>
-              </a:lnSpc>
-              <a:spcBef>
-                <a:spcPct val="20000"/>
-              </a:spcBef>
-              <a:spcAft>
-                <a:spcPts val="0"/>
-              </a:spcAft>
-              <a:buClrTx/>
-              <a:buSzTx/>
-              <a:buFont typeface="Arial" pitchFamily="34" charset="0"/>
-              <a:buNone/>
-              <a:tabLst/>
-              <a:defRPr/>
-            </a:pPr>
-            <a:endParaRPr kumimoji="0" lang="pt-PT" sz="2000" b="0" i="0" u="none" strike="noStrike" kern="1200" cap="none" spc="0" normalizeH="0" baseline="0" noProof="0" dirty="0">
-              <a:ln>
-                <a:noFill/>
-              </a:ln>
-              <a:effectLst/>
-              <a:uLnTx/>
-              <a:uFillTx/>
-              <a:latin typeface="Arial" pitchFamily="34" charset="0"/>
-              <a:cs typeface="Arial" pitchFamily="34" charset="0"/>
-            </a:endParaRPr>
-          </a:p>
-        </p:txBody>
-      </p:sp>
-      <p:pic>
-        <p:nvPicPr>
-          <p:cNvPr id="7" name="Imagem 6">
-            <a:extLst>
-              <a:ext uri="{FF2B5EF4-FFF2-40B4-BE49-F238E27FC236}">
-                <a16:creationId xmlns:a16="http://schemas.microsoft.com/office/drawing/2014/main" id="{54D42837-E70D-4C64-A8A7-E7F751502B92}"/>
-              </a:ext>
-            </a:extLst>
-          </p:cNvPr>
-          <p:cNvPicPr>
-            <a:picLocks noChangeAspect="1"/>
-          </p:cNvPicPr>
-          <p:nvPr/>
-        </p:nvPicPr>
-        <p:blipFill>
-          <a:blip r:embed="rId3"/>
-          <a:stretch>
-            <a:fillRect/>
-          </a:stretch>
-        </p:blipFill>
-        <p:spPr>
-          <a:xfrm>
-            <a:off x="101225" y="904241"/>
-            <a:ext cx="9014192" cy="266482"/>
-          </a:xfrm>
-          <a:prstGeom prst="rect">
-            <a:avLst/>
-          </a:prstGeom>
-        </p:spPr>
-      </p:pic>
-      <p:pic>
-        <p:nvPicPr>
-          <p:cNvPr id="9" name="Imagem 8">
-            <a:extLst>
-              <a:ext uri="{FF2B5EF4-FFF2-40B4-BE49-F238E27FC236}">
-                <a16:creationId xmlns:a16="http://schemas.microsoft.com/office/drawing/2014/main" id="{81982921-1900-46B5-BE82-07BECCD63918}"/>
-              </a:ext>
-            </a:extLst>
-          </p:cNvPr>
-          <p:cNvPicPr>
-            <a:picLocks noChangeAspect="1"/>
-          </p:cNvPicPr>
-          <p:nvPr/>
-        </p:nvPicPr>
-        <p:blipFill>
-          <a:blip r:embed="rId4"/>
-          <a:stretch>
-            <a:fillRect/>
-          </a:stretch>
-        </p:blipFill>
-        <p:spPr>
-          <a:xfrm>
-            <a:off x="0" y="6320212"/>
-            <a:ext cx="9144000" cy="253252"/>
-          </a:xfrm>
-          <a:prstGeom prst="rect">
-            <a:avLst/>
-          </a:prstGeom>
-        </p:spPr>
-      </p:pic>
-      <p:pic>
-        <p:nvPicPr>
-          <p:cNvPr id="13" name="Imagem 12">
-            <a:extLst>
-              <a:ext uri="{FF2B5EF4-FFF2-40B4-BE49-F238E27FC236}">
-                <a16:creationId xmlns:a16="http://schemas.microsoft.com/office/drawing/2014/main" id="{BE263CB9-5E3B-4385-9450-974CDF0F6C7D}"/>
-              </a:ext>
-            </a:extLst>
-          </p:cNvPr>
-          <p:cNvPicPr>
-            <a:picLocks noChangeAspect="1"/>
-          </p:cNvPicPr>
-          <p:nvPr/>
-        </p:nvPicPr>
-        <p:blipFill>
-          <a:blip r:embed="rId5" cstate="print">
-            <a:extLst>
-              <a:ext uri="{28A0092B-C50C-407E-A947-70E740481C1C}">
-                <a14:useLocalDpi xmlns:a14="http://schemas.microsoft.com/office/drawing/2010/main" val="0"/>
-              </a:ext>
-            </a:extLst>
-          </a:blip>
-          <a:stretch>
-            <a:fillRect/>
-          </a:stretch>
-        </p:blipFill>
-        <p:spPr>
-          <a:xfrm>
-            <a:off x="238125" y="6488336"/>
-            <a:ext cx="545959" cy="199802"/>
-          </a:xfrm>
-          <a:prstGeom prst="rect">
-            <a:avLst/>
-          </a:prstGeom>
-        </p:spPr>
-      </p:pic>
-      <p:sp>
-        <p:nvSpPr>
-          <p:cNvPr id="3" name="Rectângulo 19">
-            <a:extLst>
-              <a:ext uri="{FF2B5EF4-FFF2-40B4-BE49-F238E27FC236}">
-                <a16:creationId xmlns:a16="http://schemas.microsoft.com/office/drawing/2014/main" id="{850208AF-C5A5-C009-177D-8C27BB5DCC8B}"/>
-              </a:ext>
-            </a:extLst>
-          </p:cNvPr>
-          <p:cNvSpPr/>
-          <p:nvPr/>
-        </p:nvSpPr>
-        <p:spPr>
-          <a:xfrm>
-            <a:off x="5535613" y="553019"/>
-            <a:ext cx="3505200" cy="261610"/>
-          </a:xfrm>
-          <a:prstGeom prst="rect">
-            <a:avLst/>
-          </a:prstGeom>
-        </p:spPr>
-        <p:txBody>
-          <a:bodyPr wrap="square">
-            <a:spAutoFit/>
-          </a:bodyPr>
-          <a:lstStyle/>
-          <a:p>
-            <a:pPr algn="r"/>
-            <a:r>
-              <a:rPr lang="pt-PT" sz="1100" b="1" cap="all" dirty="0" err="1">
-                <a:highlight>
-                  <a:srgbClr val="FFFF00"/>
-                </a:highlight>
-              </a:rPr>
-              <a:t>Degree</a:t>
-            </a:r>
-            <a:r>
-              <a:rPr lang="pt-PT" sz="1100" b="1" cap="all" dirty="0">
-                <a:highlight>
-                  <a:srgbClr val="FFFF00"/>
-                </a:highlight>
-              </a:rPr>
-              <a:t> IN </a:t>
-            </a:r>
-            <a:r>
-              <a:rPr lang="pt-PT" sz="1100" b="1" cap="all" dirty="0" err="1">
-                <a:highlight>
-                  <a:srgbClr val="FFFF00"/>
-                </a:highlight>
-              </a:rPr>
-              <a:t>Informatics</a:t>
-            </a:r>
-            <a:r>
-              <a:rPr lang="pt-PT" sz="1100" b="1" cap="all" dirty="0">
-                <a:highlight>
-                  <a:srgbClr val="FFFF00"/>
-                </a:highlight>
-              </a:rPr>
-              <a:t> </a:t>
-            </a:r>
-            <a:r>
-              <a:rPr lang="pt-PT" sz="1100" b="1" cap="all" dirty="0" err="1">
-                <a:highlight>
-                  <a:srgbClr val="FFFF00"/>
-                </a:highlight>
-              </a:rPr>
-              <a:t>engineering</a:t>
-            </a:r>
-            <a:endParaRPr lang="pt-PT" sz="1100" dirty="0">
-              <a:highlight>
-                <a:srgbClr val="FFFF00"/>
-              </a:highlight>
-            </a:endParaRPr>
-          </a:p>
-        </p:txBody>
-      </p:sp>
-      <p:pic>
-        <p:nvPicPr>
-          <p:cNvPr id="5" name="Imagem 4">
-            <a:extLst>
-              <a:ext uri="{FF2B5EF4-FFF2-40B4-BE49-F238E27FC236}">
-                <a16:creationId xmlns:a16="http://schemas.microsoft.com/office/drawing/2014/main" id="{4B69841B-4743-42E9-837A-73B87FC5C8CF}"/>
-              </a:ext>
-            </a:extLst>
-          </p:cNvPr>
-          <p:cNvPicPr>
-            <a:picLocks noChangeAspect="1"/>
-          </p:cNvPicPr>
-          <p:nvPr/>
-        </p:nvPicPr>
-        <p:blipFill>
-          <a:blip r:embed="rId6" cstate="print">
-            <a:extLst>
-              <a:ext uri="{28A0092B-C50C-407E-A947-70E740481C1C}">
-                <a14:useLocalDpi xmlns:a14="http://schemas.microsoft.com/office/drawing/2010/main" val="0"/>
-              </a:ext>
-            </a:extLst>
-          </a:blip>
-          <a:stretch>
-            <a:fillRect/>
-          </a:stretch>
-        </p:blipFill>
-        <p:spPr>
-          <a:xfrm>
-            <a:off x="6575316" y="9186"/>
-            <a:ext cx="2575034" cy="639880"/>
-          </a:xfrm>
-          <a:prstGeom prst="rect">
-            <a:avLst/>
-          </a:prstGeom>
-        </p:spPr>
-      </p:pic>
-      <p:sp>
-        <p:nvSpPr>
-          <p:cNvPr id="2" name="Subtítulo 2">
-            <a:extLst>
-              <a:ext uri="{FF2B5EF4-FFF2-40B4-BE49-F238E27FC236}">
-                <a16:creationId xmlns:a16="http://schemas.microsoft.com/office/drawing/2014/main" id="{50369DE4-0D6E-7A10-AF37-333F300DD770}"/>
-              </a:ext>
-            </a:extLst>
-          </p:cNvPr>
-          <p:cNvSpPr txBox="1">
-            <a:spLocks/>
-          </p:cNvSpPr>
-          <p:nvPr/>
-        </p:nvSpPr>
-        <p:spPr>
-          <a:xfrm>
-            <a:off x="836017" y="6524516"/>
-            <a:ext cx="7698382" cy="162409"/>
-          </a:xfrm>
-          <a:prstGeom prst="rect">
-            <a:avLst/>
-          </a:prstGeom>
-        </p:spPr>
-        <p:txBody>
-          <a:bodyPr vert="horz" lIns="68580" tIns="34290" rIns="68580" bIns="34290" rtlCol="0">
-            <a:normAutofit fontScale="92500" lnSpcReduction="20000"/>
-          </a:bodyPr>
-          <a:lstStyle>
-            <a:lvl1pPr marL="0" indent="0" algn="ctr" defTabSz="914400" rtl="0" eaLnBrk="1" latinLnBrk="0" hangingPunct="1">
-              <a:lnSpc>
-                <a:spcPct val="90000"/>
-              </a:lnSpc>
-              <a:spcBef>
-                <a:spcPts val="1000"/>
-              </a:spcBef>
-              <a:buFont typeface="Arial" panose="020B0604020202020204" pitchFamily="34" charset="0"/>
-              <a:buNone/>
-              <a:defRPr sz="2400" kern="1200">
-                <a:solidFill>
-                  <a:schemeClr val="tx1"/>
-                </a:solidFill>
-                <a:latin typeface="+mn-lt"/>
-                <a:ea typeface="+mn-ea"/>
-                <a:cs typeface="+mn-cs"/>
-              </a:defRPr>
-            </a:lvl1pPr>
-            <a:lvl2pPr marL="457200" indent="0" algn="ctr" defTabSz="914400" rtl="0" eaLnBrk="1" latinLnBrk="0" hangingPunct="1">
-              <a:lnSpc>
-                <a:spcPct val="90000"/>
-              </a:lnSpc>
-              <a:spcBef>
-                <a:spcPts val="500"/>
-              </a:spcBef>
-              <a:buFont typeface="Arial" panose="020B0604020202020204" pitchFamily="34" charset="0"/>
-              <a:buNone/>
-              <a:defRPr sz="2000" kern="1200">
-                <a:solidFill>
-                  <a:schemeClr val="tx1"/>
-                </a:solidFill>
-                <a:latin typeface="+mn-lt"/>
-                <a:ea typeface="+mn-ea"/>
-                <a:cs typeface="+mn-cs"/>
-              </a:defRPr>
-            </a:lvl2pPr>
-            <a:lvl3pPr marL="914400" indent="0" algn="ctr" defTabSz="914400" rtl="0" eaLnBrk="1" latinLnBrk="0" hangingPunct="1">
-              <a:lnSpc>
-                <a:spcPct val="90000"/>
-              </a:lnSpc>
-              <a:spcBef>
-                <a:spcPts val="500"/>
-              </a:spcBef>
-              <a:buFont typeface="Arial" panose="020B0604020202020204" pitchFamily="34" charset="0"/>
-              <a:buNone/>
-              <a:defRPr sz="1800" kern="1200">
-                <a:solidFill>
-                  <a:schemeClr val="tx1"/>
-                </a:solidFill>
-                <a:latin typeface="+mn-lt"/>
-                <a:ea typeface="+mn-ea"/>
-                <a:cs typeface="+mn-cs"/>
-              </a:defRPr>
-            </a:lvl3pPr>
-            <a:lvl4pPr marL="1371600" indent="0" algn="ctr" defTabSz="914400" rtl="0" eaLnBrk="1" latinLnBrk="0" hangingPunct="1">
-              <a:lnSpc>
-                <a:spcPct val="90000"/>
-              </a:lnSpc>
-              <a:spcBef>
-                <a:spcPts val="500"/>
-              </a:spcBef>
-              <a:buFont typeface="Arial" panose="020B0604020202020204" pitchFamily="34" charset="0"/>
-              <a:buNone/>
-              <a:defRPr sz="1600" kern="1200">
-                <a:solidFill>
-                  <a:schemeClr val="tx1"/>
-                </a:solidFill>
-                <a:latin typeface="+mn-lt"/>
-                <a:ea typeface="+mn-ea"/>
-                <a:cs typeface="+mn-cs"/>
-              </a:defRPr>
-            </a:lvl4pPr>
-            <a:lvl5pPr marL="1828800" indent="0" algn="ctr" defTabSz="914400" rtl="0" eaLnBrk="1" latinLnBrk="0" hangingPunct="1">
-              <a:lnSpc>
-                <a:spcPct val="90000"/>
-              </a:lnSpc>
-              <a:spcBef>
-                <a:spcPts val="500"/>
-              </a:spcBef>
-              <a:buFont typeface="Arial" panose="020B0604020202020204" pitchFamily="34" charset="0"/>
-              <a:buNone/>
-              <a:defRPr sz="1600" kern="1200">
-                <a:solidFill>
-                  <a:schemeClr val="tx1"/>
-                </a:solidFill>
-                <a:latin typeface="+mn-lt"/>
-                <a:ea typeface="+mn-ea"/>
-                <a:cs typeface="+mn-cs"/>
-              </a:defRPr>
-            </a:lvl5pPr>
-            <a:lvl6pPr marL="2286000" indent="0" algn="ctr" defTabSz="914400" rtl="0" eaLnBrk="1" latinLnBrk="0" hangingPunct="1">
-              <a:lnSpc>
-                <a:spcPct val="90000"/>
-              </a:lnSpc>
-              <a:spcBef>
-                <a:spcPts val="500"/>
-              </a:spcBef>
-              <a:buFont typeface="Arial" panose="020B0604020202020204" pitchFamily="34" charset="0"/>
-              <a:buNone/>
-              <a:defRPr sz="1600" kern="1200">
-                <a:solidFill>
-                  <a:schemeClr val="tx1"/>
-                </a:solidFill>
-                <a:latin typeface="+mn-lt"/>
-                <a:ea typeface="+mn-ea"/>
-                <a:cs typeface="+mn-cs"/>
-              </a:defRPr>
-            </a:lvl6pPr>
-            <a:lvl7pPr marL="2743200" indent="0" algn="ctr" defTabSz="914400" rtl="0" eaLnBrk="1" latinLnBrk="0" hangingPunct="1">
-              <a:lnSpc>
-                <a:spcPct val="90000"/>
-              </a:lnSpc>
-              <a:spcBef>
-                <a:spcPts val="500"/>
-              </a:spcBef>
-              <a:buFont typeface="Arial" panose="020B0604020202020204" pitchFamily="34" charset="0"/>
-              <a:buNone/>
-              <a:defRPr sz="1600" kern="1200">
-                <a:solidFill>
-                  <a:schemeClr val="tx1"/>
-                </a:solidFill>
-                <a:latin typeface="+mn-lt"/>
-                <a:ea typeface="+mn-ea"/>
-                <a:cs typeface="+mn-cs"/>
-              </a:defRPr>
-            </a:lvl7pPr>
-            <a:lvl8pPr marL="3200400" indent="0" algn="ctr" defTabSz="914400" rtl="0" eaLnBrk="1" latinLnBrk="0" hangingPunct="1">
-              <a:lnSpc>
-                <a:spcPct val="90000"/>
-              </a:lnSpc>
-              <a:spcBef>
-                <a:spcPts val="500"/>
-              </a:spcBef>
-              <a:buFont typeface="Arial" panose="020B0604020202020204" pitchFamily="34" charset="0"/>
-              <a:buNone/>
-              <a:defRPr sz="1600" kern="1200">
-                <a:solidFill>
-                  <a:schemeClr val="tx1"/>
-                </a:solidFill>
-                <a:latin typeface="+mn-lt"/>
-                <a:ea typeface="+mn-ea"/>
-                <a:cs typeface="+mn-cs"/>
-              </a:defRPr>
-            </a:lvl8pPr>
-            <a:lvl9pPr marL="3657600" indent="0" algn="ctr" defTabSz="914400" rtl="0" eaLnBrk="1" latinLnBrk="0" hangingPunct="1">
-              <a:lnSpc>
-                <a:spcPct val="90000"/>
-              </a:lnSpc>
-              <a:spcBef>
-                <a:spcPts val="500"/>
-              </a:spcBef>
-              <a:buFont typeface="Arial" panose="020B0604020202020204" pitchFamily="34" charset="0"/>
-              <a:buNone/>
-              <a:defRPr sz="1600" kern="1200">
-                <a:solidFill>
-                  <a:schemeClr val="tx1"/>
-                </a:solidFill>
-                <a:latin typeface="+mn-lt"/>
-                <a:ea typeface="+mn-ea"/>
-                <a:cs typeface="+mn-cs"/>
-              </a:defRPr>
-            </a:lvl9pPr>
-          </a:lstStyle>
-          <a:p>
-            <a:pPr algn="l"/>
-            <a:r>
-              <a:rPr lang="pt-PT" sz="900" dirty="0">
-                <a:latin typeface="Arial" charset="0"/>
-                <a:ea typeface="Arial" charset="0"/>
-                <a:cs typeface="Arial" charset="0"/>
-              </a:rPr>
-              <a:t>João Correia, Luís Carreira| </a:t>
-            </a:r>
-            <a:r>
-              <a:rPr lang="pt-PT" sz="900" b="1" dirty="0">
-                <a:solidFill>
-                  <a:srgbClr val="C00000"/>
-                </a:solidFill>
-                <a:latin typeface="Arial" charset="0"/>
-                <a:ea typeface="Arial" charset="0"/>
-                <a:cs typeface="Arial" charset="0"/>
-              </a:rPr>
-              <a:t>Unidade Curricular: INTEGRAÇÃO DE SISTEMAS </a:t>
-            </a:r>
-            <a:r>
-              <a:rPr lang="pt-PT" sz="900" dirty="0">
-                <a:latin typeface="Arial" charset="0"/>
-                <a:ea typeface="Arial" charset="0"/>
-                <a:cs typeface="Arial" charset="0"/>
-              </a:rPr>
-              <a:t>– Ano Letivo 2022/2023 – </a:t>
-            </a:r>
-            <a:r>
-              <a:rPr lang="pt-PT" sz="900" b="1" dirty="0">
-                <a:latin typeface="Arial" charset="0"/>
-                <a:ea typeface="Arial" charset="0"/>
-                <a:cs typeface="Arial" charset="0"/>
-              </a:rPr>
-              <a:t>Trabalho Prático 2</a:t>
-            </a:r>
-          </a:p>
-        </p:txBody>
-      </p:sp>
-      <p:sp>
-        <p:nvSpPr>
-          <p:cNvPr id="8" name="CaixaDeTexto 7">
-            <a:extLst>
-              <a:ext uri="{FF2B5EF4-FFF2-40B4-BE49-F238E27FC236}">
-                <a16:creationId xmlns:a16="http://schemas.microsoft.com/office/drawing/2014/main" id="{F138C4BC-6F45-AE38-2AA4-D3A60242A4A9}"/>
-              </a:ext>
-            </a:extLst>
-          </p:cNvPr>
-          <p:cNvSpPr txBox="1"/>
-          <p:nvPr/>
-        </p:nvSpPr>
-        <p:spPr>
-          <a:xfrm>
-            <a:off x="482600" y="1437792"/>
-            <a:ext cx="4631266" cy="3780522"/>
-          </a:xfrm>
-          <a:prstGeom prst="rect">
-            <a:avLst/>
-          </a:prstGeom>
-          <a:noFill/>
-        </p:spPr>
-        <p:txBody>
-          <a:bodyPr wrap="square">
-            <a:spAutoFit/>
-          </a:bodyPr>
-          <a:lstStyle/>
-          <a:p>
-            <a:pPr>
-              <a:lnSpc>
-                <a:spcPct val="150000"/>
-              </a:lnSpc>
-            </a:pPr>
-            <a:r>
-              <a:rPr lang="pt-PT" dirty="0">
-                <a:latin typeface="Arial" pitchFamily="34" charset="0"/>
-                <a:cs typeface="Arial" pitchFamily="34" charset="0"/>
-              </a:rPr>
-              <a:t>1. </a:t>
-            </a:r>
-            <a:r>
-              <a:rPr lang="pt-PT" dirty="0" err="1">
-                <a:latin typeface="Arial" pitchFamily="34" charset="0"/>
-                <a:cs typeface="Arial" pitchFamily="34" charset="0"/>
-              </a:rPr>
-              <a:t>Introdu</a:t>
-            </a:r>
-            <a:r>
-              <a:rPr lang="pt-BR" dirty="0">
-                <a:latin typeface="Arial" pitchFamily="34" charset="0"/>
-                <a:cs typeface="Arial" pitchFamily="34" charset="0"/>
-              </a:rPr>
-              <a:t>ção</a:t>
-            </a:r>
-            <a:r>
-              <a:rPr lang="pt-PT" dirty="0">
-                <a:latin typeface="Arial" pitchFamily="34" charset="0"/>
-                <a:cs typeface="Arial" pitchFamily="34" charset="0"/>
-              </a:rPr>
-              <a:t> e </a:t>
-            </a:r>
-            <a:r>
-              <a:rPr lang="pt-PT" dirty="0" err="1">
-                <a:latin typeface="Arial" pitchFamily="34" charset="0"/>
-                <a:cs typeface="Arial" pitchFamily="34" charset="0"/>
-              </a:rPr>
-              <a:t>Objectivos</a:t>
-            </a:r>
-            <a:endParaRPr lang="en-US" dirty="0">
-              <a:latin typeface="Arial" pitchFamily="34" charset="0"/>
-              <a:cs typeface="Arial" pitchFamily="34" charset="0"/>
-            </a:endParaRPr>
-          </a:p>
-          <a:p>
-            <a:pPr>
-              <a:lnSpc>
-                <a:spcPct val="150000"/>
-              </a:lnSpc>
-            </a:pPr>
-            <a:r>
-              <a:rPr lang="en-US" dirty="0">
-                <a:latin typeface="Arial" pitchFamily="34" charset="0"/>
-                <a:cs typeface="Arial" pitchFamily="34" charset="0"/>
-              </a:rPr>
-              <a:t>2. </a:t>
-            </a:r>
-            <a:r>
-              <a:rPr lang="pt-PT" dirty="0" err="1">
-                <a:latin typeface="Arial" panose="020B0604020202020204" pitchFamily="34" charset="0"/>
-                <a:cs typeface="Arial" panose="020B0604020202020204" pitchFamily="34" charset="0"/>
-              </a:rPr>
-              <a:t>Importer</a:t>
-            </a:r>
-            <a:endParaRPr lang="pt-PT" dirty="0">
-              <a:latin typeface="Arial" panose="020B0604020202020204" pitchFamily="34" charset="0"/>
-              <a:cs typeface="Arial" panose="020B0604020202020204" pitchFamily="34" charset="0"/>
-            </a:endParaRPr>
-          </a:p>
-          <a:p>
-            <a:pPr>
-              <a:lnSpc>
-                <a:spcPct val="150000"/>
-              </a:lnSpc>
-            </a:pPr>
-            <a:r>
-              <a:rPr lang="en-US" dirty="0">
-                <a:latin typeface="Arial" pitchFamily="34" charset="0"/>
-                <a:cs typeface="Arial" pitchFamily="34" charset="0"/>
-              </a:rPr>
-              <a:t>3. Migrater</a:t>
-            </a:r>
-          </a:p>
-          <a:p>
-            <a:pPr>
-              <a:lnSpc>
-                <a:spcPct val="150000"/>
-              </a:lnSpc>
-            </a:pPr>
-            <a:r>
-              <a:rPr lang="en-US" dirty="0">
-                <a:latin typeface="Arial" pitchFamily="34" charset="0"/>
-                <a:cs typeface="Arial" pitchFamily="34" charset="0"/>
-              </a:rPr>
-              <a:t>4. </a:t>
-            </a:r>
-            <a:r>
-              <a:rPr lang="en-US" dirty="0" err="1">
-                <a:latin typeface="Arial" pitchFamily="34" charset="0"/>
-                <a:cs typeface="Arial" pitchFamily="34" charset="0"/>
-              </a:rPr>
-              <a:t>Gis</a:t>
-            </a:r>
-            <a:r>
-              <a:rPr lang="en-US">
-                <a:latin typeface="Arial" pitchFamily="34" charset="0"/>
-                <a:cs typeface="Arial" pitchFamily="34" charset="0"/>
-              </a:rPr>
-              <a:t>-Updater</a:t>
-            </a:r>
-            <a:endParaRPr lang="en-US" dirty="0">
-              <a:latin typeface="Arial" pitchFamily="34" charset="0"/>
-              <a:cs typeface="Arial" pitchFamily="34" charset="0"/>
-            </a:endParaRPr>
-          </a:p>
-          <a:p>
-            <a:pPr>
-              <a:lnSpc>
-                <a:spcPct val="150000"/>
-              </a:lnSpc>
-            </a:pPr>
-            <a:r>
-              <a:rPr lang="en-US" dirty="0">
-                <a:latin typeface="Arial" pitchFamily="34" charset="0"/>
-                <a:cs typeface="Arial" pitchFamily="34" charset="0"/>
-              </a:rPr>
-              <a:t>5. </a:t>
-            </a:r>
-            <a:r>
-              <a:rPr lang="en-US" dirty="0" err="1">
-                <a:latin typeface="Arial" pitchFamily="34" charset="0"/>
-                <a:cs typeface="Arial" pitchFamily="34" charset="0"/>
-              </a:rPr>
-              <a:t>Inserir</a:t>
-            </a:r>
-            <a:r>
-              <a:rPr lang="en-US" dirty="0">
-                <a:latin typeface="Arial" pitchFamily="34" charset="0"/>
-                <a:cs typeface="Arial" pitchFamily="34" charset="0"/>
-              </a:rPr>
-              <a:t> </a:t>
-            </a:r>
-            <a:r>
-              <a:rPr lang="en-US" dirty="0" err="1">
-                <a:latin typeface="Arial" pitchFamily="34" charset="0"/>
-                <a:cs typeface="Arial" pitchFamily="34" charset="0"/>
-              </a:rPr>
-              <a:t>ficheiro</a:t>
-            </a:r>
-            <a:r>
-              <a:rPr lang="en-US" dirty="0">
-                <a:latin typeface="Arial" pitchFamily="34" charset="0"/>
-                <a:cs typeface="Arial" pitchFamily="34" charset="0"/>
-              </a:rPr>
-              <a:t> XML </a:t>
-            </a:r>
-            <a:r>
-              <a:rPr lang="en-US" dirty="0" err="1">
-                <a:latin typeface="Arial" pitchFamily="34" charset="0"/>
-                <a:cs typeface="Arial" pitchFamily="34" charset="0"/>
-              </a:rPr>
-              <a:t>na</a:t>
-            </a:r>
-            <a:r>
-              <a:rPr lang="en-US" dirty="0">
-                <a:latin typeface="Arial" pitchFamily="34" charset="0"/>
-                <a:cs typeface="Arial" pitchFamily="34" charset="0"/>
-              </a:rPr>
-              <a:t> Base de Dados</a:t>
-            </a:r>
-          </a:p>
-          <a:p>
-            <a:pPr>
-              <a:lnSpc>
-                <a:spcPct val="150000"/>
-              </a:lnSpc>
-            </a:pPr>
-            <a:r>
-              <a:rPr lang="en-US" dirty="0">
-                <a:latin typeface="Arial" pitchFamily="34" charset="0"/>
-                <a:cs typeface="Arial" pitchFamily="34" charset="0"/>
-              </a:rPr>
-              <a:t>6. RPC Client</a:t>
-            </a:r>
-          </a:p>
-          <a:p>
-            <a:pPr>
-              <a:lnSpc>
-                <a:spcPct val="150000"/>
-              </a:lnSpc>
-            </a:pPr>
-            <a:r>
-              <a:rPr lang="en-US" dirty="0">
-                <a:latin typeface="Arial" pitchFamily="34" charset="0"/>
-                <a:cs typeface="Arial" pitchFamily="34" charset="0"/>
-              </a:rPr>
-              <a:t>7. </a:t>
-            </a:r>
-            <a:r>
-              <a:rPr lang="en-US" dirty="0" err="1">
-                <a:latin typeface="Arial" pitchFamily="34" charset="0"/>
-                <a:cs typeface="Arial" pitchFamily="34" charset="0"/>
-              </a:rPr>
-              <a:t>Consultas</a:t>
-            </a:r>
-            <a:r>
-              <a:rPr lang="en-US" dirty="0">
-                <a:latin typeface="Arial" pitchFamily="34" charset="0"/>
-                <a:cs typeface="Arial" pitchFamily="34" charset="0"/>
-              </a:rPr>
-              <a:t> da Base de Dados</a:t>
-            </a:r>
-          </a:p>
-          <a:p>
-            <a:pPr>
-              <a:lnSpc>
-                <a:spcPct val="150000"/>
-              </a:lnSpc>
-            </a:pPr>
-            <a:r>
-              <a:rPr lang="en-US" dirty="0">
-                <a:latin typeface="Arial" pitchFamily="34" charset="0"/>
-                <a:cs typeface="Arial" pitchFamily="34" charset="0"/>
-              </a:rPr>
-              <a:t>8. </a:t>
-            </a:r>
-            <a:r>
-              <a:rPr lang="en-US" dirty="0" err="1">
-                <a:latin typeface="Arial" pitchFamily="34" charset="0"/>
-                <a:cs typeface="Arial" pitchFamily="34" charset="0"/>
-              </a:rPr>
-              <a:t>Conclusão</a:t>
-            </a:r>
-            <a:endParaRPr lang="en-US" dirty="0">
-              <a:latin typeface="Arial" pitchFamily="34" charset="0"/>
-              <a:cs typeface="Arial" pitchFamily="34" charset="0"/>
-            </a:endParaRPr>
-          </a:p>
-          <a:p>
-            <a:pPr>
-              <a:lnSpc>
-                <a:spcPct val="150000"/>
-              </a:lnSpc>
-            </a:pPr>
-            <a:r>
-              <a:rPr lang="en-US" dirty="0">
-                <a:latin typeface="Arial" pitchFamily="34" charset="0"/>
-                <a:cs typeface="Arial" pitchFamily="34" charset="0"/>
-              </a:rPr>
-              <a:t>9. </a:t>
-            </a:r>
-            <a:r>
-              <a:rPr lang="en-US" dirty="0" err="1">
-                <a:latin typeface="Arial" pitchFamily="34" charset="0"/>
-                <a:cs typeface="Arial" pitchFamily="34" charset="0"/>
-              </a:rPr>
-              <a:t>Bibliografia</a:t>
-            </a:r>
-            <a:r>
-              <a:rPr lang="en-US" dirty="0">
-                <a:latin typeface="Arial" pitchFamily="34" charset="0"/>
-                <a:cs typeface="Arial" pitchFamily="34" charset="0"/>
-              </a:rPr>
-              <a:t> e </a:t>
-            </a:r>
-            <a:r>
-              <a:rPr lang="en-US" dirty="0" err="1">
-                <a:latin typeface="Arial" pitchFamily="34" charset="0"/>
-                <a:cs typeface="Arial" pitchFamily="34" charset="0"/>
-              </a:rPr>
-              <a:t>Referências</a:t>
-            </a:r>
-            <a:r>
-              <a:rPr lang="en-US" dirty="0">
-                <a:latin typeface="Arial" pitchFamily="34" charset="0"/>
-                <a:cs typeface="Arial" pitchFamily="34" charset="0"/>
-              </a:rPr>
-              <a:t> WEB</a:t>
-            </a:r>
-          </a:p>
-        </p:txBody>
-      </p:sp>
-    </p:spTree>
-    <p:extLst>
-      <p:ext uri="{BB962C8B-B14F-4D97-AF65-F5344CB8AC3E}">
-        <p14:creationId xmlns:p14="http://schemas.microsoft.com/office/powerpoint/2010/main" val="891355670"/>
-      </p:ext>
-    </p:extLst>
-  </p:cSld>
-  <p:clrMapOvr>
-    <a:masterClrMapping/>
-  </p:clrMapOvr>
-</p:sld>
-</file>
-
-<file path=ppt/slides/slide20.xml><?xml version="1.0" encoding="utf-8"?>
+<file path=ppt/slides/slide19.xml><?xml version="1.0" encoding="utf-8"?>
 <p:sld xmlns:a="http://schemas.openxmlformats.org/drawingml/2006/main" xmlns:r="http://schemas.openxmlformats.org/officeDocument/2006/relationships" xmlns:p="http://schemas.openxmlformats.org/presentationml/2006/main">
   <p:cSld>
     <p:spTree>
@@ -18174,6 +15787,1159 @@
     <p:extLst>
       <p:ext uri="{BB962C8B-B14F-4D97-AF65-F5344CB8AC3E}">
         <p14:creationId xmlns:p14="http://schemas.microsoft.com/office/powerpoint/2010/main" val="947259978"/>
+      </p:ext>
+    </p:extLst>
+  </p:cSld>
+  <p:clrMapOvr>
+    <a:masterClrMapping/>
+  </p:clrMapOvr>
+</p:sld>
+</file>
+
+<file path=ppt/slides/slide2.xml><?xml version="1.0" encoding="utf-8"?>
+<p:sld xmlns:a="http://schemas.openxmlformats.org/drawingml/2006/main" xmlns:r="http://schemas.openxmlformats.org/officeDocument/2006/relationships" xmlns:p="http://schemas.openxmlformats.org/presentationml/2006/main">
+  <p:cSld>
+    <p:spTree>
+      <p:nvGrpSpPr>
+        <p:cNvPr id="1" name=""/>
+        <p:cNvGrpSpPr/>
+        <p:nvPr/>
+      </p:nvGrpSpPr>
+      <p:grpSpPr>
+        <a:xfrm>
+          <a:off x="0" y="0"/>
+          <a:ext cx="0" cy="0"/>
+          <a:chOff x="0" y="0"/>
+          <a:chExt cx="0" cy="0"/>
+        </a:xfrm>
+      </p:grpSpPr>
+      <p:sp>
+        <p:nvSpPr>
+          <p:cNvPr id="10243" name="Text Box 10"/>
+          <p:cNvSpPr txBox="1">
+            <a:spLocks noChangeArrowheads="1"/>
+          </p:cNvSpPr>
+          <p:nvPr/>
+        </p:nvSpPr>
+        <p:spPr bwMode="auto">
+          <a:xfrm>
+            <a:off x="8288338" y="6296025"/>
+            <a:ext cx="827087" cy="366713"/>
+          </a:xfrm>
+          <a:prstGeom prst="rect">
+            <a:avLst/>
+          </a:prstGeom>
+          <a:noFill/>
+          <a:ln w="9525">
+            <a:noFill/>
+            <a:miter lim="800000"/>
+            <a:headEnd/>
+            <a:tailEnd/>
+          </a:ln>
+        </p:spPr>
+        <p:txBody>
+          <a:bodyPr>
+            <a:spAutoFit/>
+          </a:bodyPr>
+          <a:lstStyle/>
+          <a:p>
+            <a:pPr>
+              <a:spcBef>
+                <a:spcPct val="50000"/>
+              </a:spcBef>
+            </a:pPr>
+            <a:endParaRPr lang="pt-PT"/>
+          </a:p>
+        </p:txBody>
+      </p:sp>
+      <p:sp>
+        <p:nvSpPr>
+          <p:cNvPr id="10244" name="Rectangle 11"/>
+          <p:cNvSpPr>
+            <a:spLocks noChangeArrowheads="1"/>
+          </p:cNvSpPr>
+          <p:nvPr/>
+        </p:nvSpPr>
+        <p:spPr bwMode="auto">
+          <a:xfrm>
+            <a:off x="8327571" y="6496091"/>
+            <a:ext cx="936625" cy="260350"/>
+          </a:xfrm>
+          <a:prstGeom prst="rect">
+            <a:avLst/>
+          </a:prstGeom>
+          <a:noFill/>
+          <a:ln w="9525">
+            <a:noFill/>
+            <a:miter lim="800000"/>
+            <a:headEnd/>
+            <a:tailEnd/>
+          </a:ln>
+        </p:spPr>
+        <p:txBody>
+          <a:bodyPr anchor="ctr"/>
+          <a:lstStyle/>
+          <a:p>
+            <a:pPr algn="ctr"/>
+            <a:r>
+              <a:rPr lang="pt-PT" sz="1000" dirty="0"/>
+              <a:t>- </a:t>
+            </a:r>
+            <a:fld id="{1234D2FF-8FB9-47A1-B8C9-42A5F500BA2F}" type="slidenum">
+              <a:rPr lang="pt-PT" sz="1000"/>
+              <a:pPr algn="ctr"/>
+              <a:t>2</a:t>
+            </a:fld>
+            <a:r>
+              <a:rPr lang="pt-PT" sz="1000" dirty="0"/>
+              <a:t> -</a:t>
+            </a:r>
+          </a:p>
+        </p:txBody>
+      </p:sp>
+      <p:sp>
+        <p:nvSpPr>
+          <p:cNvPr id="9229" name="Text Box 13"/>
+          <p:cNvSpPr txBox="1">
+            <a:spLocks noChangeArrowheads="1"/>
+          </p:cNvSpPr>
+          <p:nvPr/>
+        </p:nvSpPr>
+        <p:spPr bwMode="auto">
+          <a:xfrm>
+            <a:off x="306388" y="557213"/>
+            <a:ext cx="6981825" cy="400050"/>
+          </a:xfrm>
+          <a:prstGeom prst="rect">
+            <a:avLst/>
+          </a:prstGeom>
+          <a:noFill/>
+          <a:ln w="9525">
+            <a:noFill/>
+            <a:miter lim="800000"/>
+            <a:headEnd/>
+            <a:tailEnd/>
+          </a:ln>
+          <a:effectLst/>
+        </p:spPr>
+        <p:txBody>
+          <a:bodyPr>
+            <a:spAutoFit/>
+          </a:bodyPr>
+          <a:lstStyle/>
+          <a:p>
+            <a:pPr>
+              <a:spcBef>
+                <a:spcPct val="50000"/>
+              </a:spcBef>
+              <a:defRPr/>
+            </a:pPr>
+            <a:r>
+              <a:rPr lang="pt-PT" sz="2000" b="1" dirty="0">
+                <a:solidFill>
+                  <a:srgbClr val="C00000"/>
+                </a:solidFill>
+                <a:effectLst>
+                  <a:outerShdw blurRad="38100" dist="38100" dir="2700000" algn="tl">
+                    <a:srgbClr val="C0C0C0"/>
+                  </a:outerShdw>
+                </a:effectLst>
+                <a:latin typeface="Arial"/>
+                <a:cs typeface="Arial"/>
+              </a:rPr>
+              <a:t>■</a:t>
+            </a:r>
+            <a:r>
+              <a:rPr lang="pt-PT" sz="2000" b="1" dirty="0">
+                <a:effectLst>
+                  <a:outerShdw blurRad="38100" dist="38100" dir="2700000" algn="tl">
+                    <a:srgbClr val="C0C0C0"/>
+                  </a:outerShdw>
+                </a:effectLst>
+                <a:latin typeface="Arial"/>
+                <a:cs typeface="Arial"/>
+              </a:rPr>
+              <a:t> Índice</a:t>
+            </a:r>
+            <a:endParaRPr lang="pt-PT" sz="2000" b="1" dirty="0">
+              <a:effectLst>
+                <a:outerShdw blurRad="38100" dist="38100" dir="2700000" algn="tl">
+                  <a:srgbClr val="C0C0C0"/>
+                </a:outerShdw>
+              </a:effectLst>
+              <a:latin typeface="Arial" charset="0"/>
+            </a:endParaRPr>
+          </a:p>
+        </p:txBody>
+      </p:sp>
+      <p:sp>
+        <p:nvSpPr>
+          <p:cNvPr id="10247" name="Line 15"/>
+          <p:cNvSpPr>
+            <a:spLocks noChangeShapeType="1"/>
+          </p:cNvSpPr>
+          <p:nvPr/>
+        </p:nvSpPr>
+        <p:spPr bwMode="auto">
+          <a:xfrm>
+            <a:off x="250825" y="0"/>
+            <a:ext cx="0" cy="765175"/>
+          </a:xfrm>
+          <a:prstGeom prst="line">
+            <a:avLst/>
+          </a:prstGeom>
+          <a:noFill/>
+          <a:ln w="25400">
+            <a:solidFill>
+              <a:schemeClr val="tx1"/>
+            </a:solidFill>
+            <a:round/>
+            <a:headEnd/>
+            <a:tailEnd/>
+          </a:ln>
+        </p:spPr>
+        <p:txBody>
+          <a:bodyPr/>
+          <a:lstStyle/>
+          <a:p>
+            <a:endParaRPr lang="pt-PT"/>
+          </a:p>
+        </p:txBody>
+      </p:sp>
+      <p:sp>
+        <p:nvSpPr>
+          <p:cNvPr id="9237" name="Text Box 21"/>
+          <p:cNvSpPr txBox="1">
+            <a:spLocks noChangeArrowheads="1"/>
+          </p:cNvSpPr>
+          <p:nvPr/>
+        </p:nvSpPr>
+        <p:spPr bwMode="auto">
+          <a:xfrm>
+            <a:off x="381001" y="44450"/>
+            <a:ext cx="6138752" cy="276999"/>
+          </a:xfrm>
+          <a:prstGeom prst="rect">
+            <a:avLst/>
+          </a:prstGeom>
+          <a:noFill/>
+          <a:ln w="9525">
+            <a:noFill/>
+            <a:miter lim="800000"/>
+            <a:headEnd/>
+            <a:tailEnd/>
+          </a:ln>
+          <a:effectLst/>
+        </p:spPr>
+        <p:txBody>
+          <a:bodyPr wrap="square">
+            <a:spAutoFit/>
+          </a:bodyPr>
+          <a:lstStyle/>
+          <a:p>
+            <a:pPr>
+              <a:spcBef>
+                <a:spcPct val="50000"/>
+              </a:spcBef>
+              <a:defRPr/>
+            </a:pPr>
+            <a:r>
+              <a:rPr lang="pt-PT" sz="1200" b="1" dirty="0">
+                <a:solidFill>
+                  <a:srgbClr val="FF3300"/>
+                </a:solidFill>
+                <a:effectLst>
+                  <a:outerShdw blurRad="38100" dist="38100" dir="2700000" algn="tl">
+                    <a:srgbClr val="C0C0C0"/>
+                  </a:outerShdw>
+                </a:effectLst>
+                <a:latin typeface="Arial" charset="0"/>
+              </a:rPr>
+              <a:t>INTEGRAÇÃO DE SISTEMAS – TRABALHO PRÁTICO N.º 2</a:t>
+            </a:r>
+          </a:p>
+        </p:txBody>
+      </p:sp>
+      <p:sp>
+        <p:nvSpPr>
+          <p:cNvPr id="19" name="Marcador de Posição de Conteúdo 2"/>
+          <p:cNvSpPr txBox="1">
+            <a:spLocks/>
+          </p:cNvSpPr>
+          <p:nvPr/>
+        </p:nvSpPr>
+        <p:spPr>
+          <a:xfrm>
+            <a:off x="457200" y="1219200"/>
+            <a:ext cx="8229600" cy="4937760"/>
+          </a:xfrm>
+          <a:prstGeom prst="rect">
+            <a:avLst/>
+          </a:prstGeom>
+        </p:spPr>
+        <p:txBody>
+          <a:bodyPr vert="horz" lIns="91440" tIns="45720" rIns="91440" bIns="45720" rtlCol="0">
+            <a:normAutofit/>
+          </a:bodyPr>
+          <a:lstStyle/>
+          <a:p>
+            <a:pPr>
+              <a:lnSpc>
+                <a:spcPct val="150000"/>
+              </a:lnSpc>
+            </a:pPr>
+            <a:endParaRPr lang="en-US" dirty="0">
+              <a:latin typeface="Arial" pitchFamily="34" charset="0"/>
+              <a:cs typeface="Arial" pitchFamily="34" charset="0"/>
+            </a:endParaRPr>
+          </a:p>
+          <a:p>
+            <a:pPr>
+              <a:lnSpc>
+                <a:spcPct val="200000"/>
+              </a:lnSpc>
+              <a:spcBef>
+                <a:spcPct val="20000"/>
+              </a:spcBef>
+            </a:pPr>
+            <a:endParaRPr lang="pt-PT" sz="2000" dirty="0">
+              <a:latin typeface="Arial" pitchFamily="34" charset="0"/>
+              <a:cs typeface="Arial" pitchFamily="34" charset="0"/>
+            </a:endParaRPr>
+          </a:p>
+          <a:p>
+            <a:pPr lvl="0">
+              <a:lnSpc>
+                <a:spcPct val="200000"/>
+              </a:lnSpc>
+              <a:spcBef>
+                <a:spcPct val="20000"/>
+              </a:spcBef>
+            </a:pPr>
+            <a:endParaRPr kumimoji="0" lang="pt-PT" sz="2000" b="0" i="0" u="none" strike="noStrike" kern="1200" cap="none" spc="0" normalizeH="0" baseline="0" noProof="0" dirty="0">
+              <a:ln>
+                <a:noFill/>
+              </a:ln>
+              <a:effectLst/>
+              <a:uLnTx/>
+              <a:uFillTx/>
+              <a:latin typeface="Arial" pitchFamily="34" charset="0"/>
+              <a:cs typeface="Arial" pitchFamily="34" charset="0"/>
+            </a:endParaRPr>
+          </a:p>
+          <a:p>
+            <a:pPr marL="457200" marR="0" lvl="1" indent="0" defTabSz="914400" rtl="0" eaLnBrk="1" fontAlgn="auto" latinLnBrk="0" hangingPunct="1">
+              <a:lnSpc>
+                <a:spcPct val="200000"/>
+              </a:lnSpc>
+              <a:spcBef>
+                <a:spcPct val="20000"/>
+              </a:spcBef>
+              <a:spcAft>
+                <a:spcPts val="0"/>
+              </a:spcAft>
+              <a:buClrTx/>
+              <a:buSzTx/>
+              <a:buFont typeface="Arial" pitchFamily="34" charset="0"/>
+              <a:buNone/>
+              <a:tabLst/>
+              <a:defRPr/>
+            </a:pPr>
+            <a:endParaRPr kumimoji="0" lang="pt-PT" sz="2000" b="0" i="0" u="none" strike="noStrike" kern="1200" cap="none" spc="0" normalizeH="0" baseline="0" noProof="0" dirty="0">
+              <a:ln>
+                <a:noFill/>
+              </a:ln>
+              <a:effectLst/>
+              <a:uLnTx/>
+              <a:uFillTx/>
+              <a:latin typeface="Arial" pitchFamily="34" charset="0"/>
+              <a:cs typeface="Arial" pitchFamily="34" charset="0"/>
+            </a:endParaRPr>
+          </a:p>
+          <a:p>
+            <a:pPr marL="457200" marR="0" lvl="1" indent="0" defTabSz="914400" rtl="0" eaLnBrk="1" fontAlgn="auto" latinLnBrk="0" hangingPunct="1">
+              <a:lnSpc>
+                <a:spcPct val="200000"/>
+              </a:lnSpc>
+              <a:spcBef>
+                <a:spcPct val="20000"/>
+              </a:spcBef>
+              <a:spcAft>
+                <a:spcPts val="0"/>
+              </a:spcAft>
+              <a:buClrTx/>
+              <a:buSzTx/>
+              <a:buFont typeface="Arial" pitchFamily="34" charset="0"/>
+              <a:buNone/>
+              <a:tabLst/>
+              <a:defRPr/>
+            </a:pPr>
+            <a:endParaRPr kumimoji="0" lang="pt-PT" sz="2000" b="0" i="0" u="none" strike="noStrike" kern="1200" cap="none" spc="0" normalizeH="0" baseline="0" noProof="0" dirty="0">
+              <a:ln>
+                <a:noFill/>
+              </a:ln>
+              <a:effectLst/>
+              <a:uLnTx/>
+              <a:uFillTx/>
+              <a:latin typeface="Arial" pitchFamily="34" charset="0"/>
+              <a:cs typeface="Arial" pitchFamily="34" charset="0"/>
+            </a:endParaRPr>
+          </a:p>
+          <a:p>
+            <a:pPr marL="0" marR="0" lvl="0" indent="0" defTabSz="914400" rtl="0" eaLnBrk="1" fontAlgn="auto" latinLnBrk="0" hangingPunct="1">
+              <a:lnSpc>
+                <a:spcPct val="200000"/>
+              </a:lnSpc>
+              <a:spcBef>
+                <a:spcPct val="20000"/>
+              </a:spcBef>
+              <a:spcAft>
+                <a:spcPts val="0"/>
+              </a:spcAft>
+              <a:buClrTx/>
+              <a:buSzTx/>
+              <a:buFont typeface="Arial" pitchFamily="34" charset="0"/>
+              <a:buNone/>
+              <a:tabLst/>
+              <a:defRPr/>
+            </a:pPr>
+            <a:endParaRPr kumimoji="0" lang="pt-PT" sz="2000" b="0" i="0" u="none" strike="noStrike" kern="1200" cap="none" spc="0" normalizeH="0" baseline="0" noProof="0" dirty="0">
+              <a:ln>
+                <a:noFill/>
+              </a:ln>
+              <a:effectLst/>
+              <a:uLnTx/>
+              <a:uFillTx/>
+              <a:latin typeface="Arial" pitchFamily="34" charset="0"/>
+              <a:cs typeface="Arial" pitchFamily="34" charset="0"/>
+            </a:endParaRPr>
+          </a:p>
+          <a:p>
+            <a:pPr marL="0" marR="0" lvl="0" indent="0" defTabSz="914400" rtl="0" eaLnBrk="1" fontAlgn="auto" latinLnBrk="0" hangingPunct="1">
+              <a:lnSpc>
+                <a:spcPct val="200000"/>
+              </a:lnSpc>
+              <a:spcBef>
+                <a:spcPct val="20000"/>
+              </a:spcBef>
+              <a:spcAft>
+                <a:spcPts val="0"/>
+              </a:spcAft>
+              <a:buClrTx/>
+              <a:buSzTx/>
+              <a:buFont typeface="Arial" pitchFamily="34" charset="0"/>
+              <a:buNone/>
+              <a:tabLst/>
+              <a:defRPr/>
+            </a:pPr>
+            <a:endParaRPr kumimoji="0" lang="pt-PT" sz="2000" b="0" i="0" u="none" strike="noStrike" kern="1200" cap="none" spc="0" normalizeH="0" baseline="0" noProof="0" dirty="0">
+              <a:ln>
+                <a:noFill/>
+              </a:ln>
+              <a:effectLst/>
+              <a:uLnTx/>
+              <a:uFillTx/>
+              <a:latin typeface="Arial" pitchFamily="34" charset="0"/>
+              <a:cs typeface="Arial" pitchFamily="34" charset="0"/>
+            </a:endParaRPr>
+          </a:p>
+          <a:p>
+            <a:pPr marL="0" marR="0" lvl="0" indent="0" defTabSz="914400" rtl="0" eaLnBrk="1" fontAlgn="auto" latinLnBrk="0" hangingPunct="1">
+              <a:lnSpc>
+                <a:spcPct val="200000"/>
+              </a:lnSpc>
+              <a:spcBef>
+                <a:spcPct val="20000"/>
+              </a:spcBef>
+              <a:spcAft>
+                <a:spcPts val="0"/>
+              </a:spcAft>
+              <a:buClrTx/>
+              <a:buSzTx/>
+              <a:buFont typeface="Arial" pitchFamily="34" charset="0"/>
+              <a:buNone/>
+              <a:tabLst/>
+              <a:defRPr/>
+            </a:pPr>
+            <a:endParaRPr kumimoji="0" lang="pt-PT" sz="2000" b="0" i="0" u="none" strike="noStrike" kern="1200" cap="none" spc="0" normalizeH="0" baseline="0" noProof="0" dirty="0">
+              <a:ln>
+                <a:noFill/>
+              </a:ln>
+              <a:effectLst/>
+              <a:uLnTx/>
+              <a:uFillTx/>
+              <a:latin typeface="Arial" pitchFamily="34" charset="0"/>
+              <a:cs typeface="Arial" pitchFamily="34" charset="0"/>
+            </a:endParaRPr>
+          </a:p>
+        </p:txBody>
+      </p:sp>
+      <p:pic>
+        <p:nvPicPr>
+          <p:cNvPr id="7" name="Imagem 6">
+            <a:extLst>
+              <a:ext uri="{FF2B5EF4-FFF2-40B4-BE49-F238E27FC236}">
+                <a16:creationId xmlns:a16="http://schemas.microsoft.com/office/drawing/2014/main" id="{54D42837-E70D-4C64-A8A7-E7F751502B92}"/>
+              </a:ext>
+            </a:extLst>
+          </p:cNvPr>
+          <p:cNvPicPr>
+            <a:picLocks noChangeAspect="1"/>
+          </p:cNvPicPr>
+          <p:nvPr/>
+        </p:nvPicPr>
+        <p:blipFill>
+          <a:blip r:embed="rId3"/>
+          <a:stretch>
+            <a:fillRect/>
+          </a:stretch>
+        </p:blipFill>
+        <p:spPr>
+          <a:xfrm>
+            <a:off x="101225" y="904241"/>
+            <a:ext cx="9014192" cy="266482"/>
+          </a:xfrm>
+          <a:prstGeom prst="rect">
+            <a:avLst/>
+          </a:prstGeom>
+        </p:spPr>
+      </p:pic>
+      <p:pic>
+        <p:nvPicPr>
+          <p:cNvPr id="9" name="Imagem 8">
+            <a:extLst>
+              <a:ext uri="{FF2B5EF4-FFF2-40B4-BE49-F238E27FC236}">
+                <a16:creationId xmlns:a16="http://schemas.microsoft.com/office/drawing/2014/main" id="{81982921-1900-46B5-BE82-07BECCD63918}"/>
+              </a:ext>
+            </a:extLst>
+          </p:cNvPr>
+          <p:cNvPicPr>
+            <a:picLocks noChangeAspect="1"/>
+          </p:cNvPicPr>
+          <p:nvPr/>
+        </p:nvPicPr>
+        <p:blipFill>
+          <a:blip r:embed="rId4"/>
+          <a:stretch>
+            <a:fillRect/>
+          </a:stretch>
+        </p:blipFill>
+        <p:spPr>
+          <a:xfrm>
+            <a:off x="0" y="6320212"/>
+            <a:ext cx="9144000" cy="253252"/>
+          </a:xfrm>
+          <a:prstGeom prst="rect">
+            <a:avLst/>
+          </a:prstGeom>
+        </p:spPr>
+      </p:pic>
+      <p:pic>
+        <p:nvPicPr>
+          <p:cNvPr id="13" name="Imagem 12">
+            <a:extLst>
+              <a:ext uri="{FF2B5EF4-FFF2-40B4-BE49-F238E27FC236}">
+                <a16:creationId xmlns:a16="http://schemas.microsoft.com/office/drawing/2014/main" id="{BE263CB9-5E3B-4385-9450-974CDF0F6C7D}"/>
+              </a:ext>
+            </a:extLst>
+          </p:cNvPr>
+          <p:cNvPicPr>
+            <a:picLocks noChangeAspect="1"/>
+          </p:cNvPicPr>
+          <p:nvPr/>
+        </p:nvPicPr>
+        <p:blipFill>
+          <a:blip r:embed="rId5" cstate="print">
+            <a:extLst>
+              <a:ext uri="{28A0092B-C50C-407E-A947-70E740481C1C}">
+                <a14:useLocalDpi xmlns:a14="http://schemas.microsoft.com/office/drawing/2010/main" val="0"/>
+              </a:ext>
+            </a:extLst>
+          </a:blip>
+          <a:stretch>
+            <a:fillRect/>
+          </a:stretch>
+        </p:blipFill>
+        <p:spPr>
+          <a:xfrm>
+            <a:off x="238125" y="6488336"/>
+            <a:ext cx="545959" cy="199802"/>
+          </a:xfrm>
+          <a:prstGeom prst="rect">
+            <a:avLst/>
+          </a:prstGeom>
+        </p:spPr>
+      </p:pic>
+      <p:sp>
+        <p:nvSpPr>
+          <p:cNvPr id="3" name="Rectângulo 19">
+            <a:extLst>
+              <a:ext uri="{FF2B5EF4-FFF2-40B4-BE49-F238E27FC236}">
+                <a16:creationId xmlns:a16="http://schemas.microsoft.com/office/drawing/2014/main" id="{850208AF-C5A5-C009-177D-8C27BB5DCC8B}"/>
+              </a:ext>
+            </a:extLst>
+          </p:cNvPr>
+          <p:cNvSpPr/>
+          <p:nvPr/>
+        </p:nvSpPr>
+        <p:spPr>
+          <a:xfrm>
+            <a:off x="5535613" y="553019"/>
+            <a:ext cx="3505200" cy="261610"/>
+          </a:xfrm>
+          <a:prstGeom prst="rect">
+            <a:avLst/>
+          </a:prstGeom>
+        </p:spPr>
+        <p:txBody>
+          <a:bodyPr wrap="square">
+            <a:spAutoFit/>
+          </a:bodyPr>
+          <a:lstStyle/>
+          <a:p>
+            <a:pPr algn="r"/>
+            <a:r>
+              <a:rPr lang="pt-PT" sz="1100" b="1" cap="all" dirty="0" err="1">
+                <a:highlight>
+                  <a:srgbClr val="FFFF00"/>
+                </a:highlight>
+              </a:rPr>
+              <a:t>Degree</a:t>
+            </a:r>
+            <a:r>
+              <a:rPr lang="pt-PT" sz="1100" b="1" cap="all" dirty="0">
+                <a:highlight>
+                  <a:srgbClr val="FFFF00"/>
+                </a:highlight>
+              </a:rPr>
+              <a:t> IN </a:t>
+            </a:r>
+            <a:r>
+              <a:rPr lang="pt-PT" sz="1100" b="1" cap="all" dirty="0" err="1">
+                <a:highlight>
+                  <a:srgbClr val="FFFF00"/>
+                </a:highlight>
+              </a:rPr>
+              <a:t>Informatics</a:t>
+            </a:r>
+            <a:r>
+              <a:rPr lang="pt-PT" sz="1100" b="1" cap="all" dirty="0">
+                <a:highlight>
+                  <a:srgbClr val="FFFF00"/>
+                </a:highlight>
+              </a:rPr>
+              <a:t> </a:t>
+            </a:r>
+            <a:r>
+              <a:rPr lang="pt-PT" sz="1100" b="1" cap="all" dirty="0" err="1">
+                <a:highlight>
+                  <a:srgbClr val="FFFF00"/>
+                </a:highlight>
+              </a:rPr>
+              <a:t>engineering</a:t>
+            </a:r>
+            <a:endParaRPr lang="pt-PT" sz="1100" dirty="0">
+              <a:highlight>
+                <a:srgbClr val="FFFF00"/>
+              </a:highlight>
+            </a:endParaRPr>
+          </a:p>
+        </p:txBody>
+      </p:sp>
+      <p:pic>
+        <p:nvPicPr>
+          <p:cNvPr id="5" name="Imagem 4">
+            <a:extLst>
+              <a:ext uri="{FF2B5EF4-FFF2-40B4-BE49-F238E27FC236}">
+                <a16:creationId xmlns:a16="http://schemas.microsoft.com/office/drawing/2014/main" id="{4B69841B-4743-42E9-837A-73B87FC5C8CF}"/>
+              </a:ext>
+            </a:extLst>
+          </p:cNvPr>
+          <p:cNvPicPr>
+            <a:picLocks noChangeAspect="1"/>
+          </p:cNvPicPr>
+          <p:nvPr/>
+        </p:nvPicPr>
+        <p:blipFill>
+          <a:blip r:embed="rId6" cstate="print">
+            <a:extLst>
+              <a:ext uri="{28A0092B-C50C-407E-A947-70E740481C1C}">
+                <a14:useLocalDpi xmlns:a14="http://schemas.microsoft.com/office/drawing/2010/main" val="0"/>
+              </a:ext>
+            </a:extLst>
+          </a:blip>
+          <a:stretch>
+            <a:fillRect/>
+          </a:stretch>
+        </p:blipFill>
+        <p:spPr>
+          <a:xfrm>
+            <a:off x="6575316" y="9186"/>
+            <a:ext cx="2575034" cy="639880"/>
+          </a:xfrm>
+          <a:prstGeom prst="rect">
+            <a:avLst/>
+          </a:prstGeom>
+        </p:spPr>
+      </p:pic>
+      <p:sp>
+        <p:nvSpPr>
+          <p:cNvPr id="2" name="Subtítulo 2">
+            <a:extLst>
+              <a:ext uri="{FF2B5EF4-FFF2-40B4-BE49-F238E27FC236}">
+                <a16:creationId xmlns:a16="http://schemas.microsoft.com/office/drawing/2014/main" id="{50369DE4-0D6E-7A10-AF37-333F300DD770}"/>
+              </a:ext>
+            </a:extLst>
+          </p:cNvPr>
+          <p:cNvSpPr txBox="1">
+            <a:spLocks/>
+          </p:cNvSpPr>
+          <p:nvPr/>
+        </p:nvSpPr>
+        <p:spPr>
+          <a:xfrm>
+            <a:off x="836017" y="6524516"/>
+            <a:ext cx="7698382" cy="162409"/>
+          </a:xfrm>
+          <a:prstGeom prst="rect">
+            <a:avLst/>
+          </a:prstGeom>
+        </p:spPr>
+        <p:txBody>
+          <a:bodyPr vert="horz" lIns="68580" tIns="34290" rIns="68580" bIns="34290" rtlCol="0">
+            <a:normAutofit fontScale="92500" lnSpcReduction="20000"/>
+          </a:bodyPr>
+          <a:lstStyle>
+            <a:lvl1pPr marL="0" indent="0" algn="ctr" defTabSz="914400" rtl="0" eaLnBrk="1" latinLnBrk="0" hangingPunct="1">
+              <a:lnSpc>
+                <a:spcPct val="90000"/>
+              </a:lnSpc>
+              <a:spcBef>
+                <a:spcPts val="1000"/>
+              </a:spcBef>
+              <a:buFont typeface="Arial" panose="020B0604020202020204" pitchFamily="34" charset="0"/>
+              <a:buNone/>
+              <a:defRPr sz="2400" kern="1200">
+                <a:solidFill>
+                  <a:schemeClr val="tx1"/>
+                </a:solidFill>
+                <a:latin typeface="+mn-lt"/>
+                <a:ea typeface="+mn-ea"/>
+                <a:cs typeface="+mn-cs"/>
+              </a:defRPr>
+            </a:lvl1pPr>
+            <a:lvl2pPr marL="457200" indent="0" algn="ctr" defTabSz="914400" rtl="0" eaLnBrk="1" latinLnBrk="0" hangingPunct="1">
+              <a:lnSpc>
+                <a:spcPct val="90000"/>
+              </a:lnSpc>
+              <a:spcBef>
+                <a:spcPts val="500"/>
+              </a:spcBef>
+              <a:buFont typeface="Arial" panose="020B0604020202020204" pitchFamily="34" charset="0"/>
+              <a:buNone/>
+              <a:defRPr sz="2000" kern="1200">
+                <a:solidFill>
+                  <a:schemeClr val="tx1"/>
+                </a:solidFill>
+                <a:latin typeface="+mn-lt"/>
+                <a:ea typeface="+mn-ea"/>
+                <a:cs typeface="+mn-cs"/>
+              </a:defRPr>
+            </a:lvl2pPr>
+            <a:lvl3pPr marL="914400" indent="0" algn="ctr" defTabSz="914400" rtl="0" eaLnBrk="1" latinLnBrk="0" hangingPunct="1">
+              <a:lnSpc>
+                <a:spcPct val="90000"/>
+              </a:lnSpc>
+              <a:spcBef>
+                <a:spcPts val="500"/>
+              </a:spcBef>
+              <a:buFont typeface="Arial" panose="020B0604020202020204" pitchFamily="34" charset="0"/>
+              <a:buNone/>
+              <a:defRPr sz="1800" kern="1200">
+                <a:solidFill>
+                  <a:schemeClr val="tx1"/>
+                </a:solidFill>
+                <a:latin typeface="+mn-lt"/>
+                <a:ea typeface="+mn-ea"/>
+                <a:cs typeface="+mn-cs"/>
+              </a:defRPr>
+            </a:lvl3pPr>
+            <a:lvl4pPr marL="1371600" indent="0" algn="ctr" defTabSz="914400" rtl="0" eaLnBrk="1" latinLnBrk="0" hangingPunct="1">
+              <a:lnSpc>
+                <a:spcPct val="90000"/>
+              </a:lnSpc>
+              <a:spcBef>
+                <a:spcPts val="500"/>
+              </a:spcBef>
+              <a:buFont typeface="Arial" panose="020B0604020202020204" pitchFamily="34" charset="0"/>
+              <a:buNone/>
+              <a:defRPr sz="1600" kern="1200">
+                <a:solidFill>
+                  <a:schemeClr val="tx1"/>
+                </a:solidFill>
+                <a:latin typeface="+mn-lt"/>
+                <a:ea typeface="+mn-ea"/>
+                <a:cs typeface="+mn-cs"/>
+              </a:defRPr>
+            </a:lvl4pPr>
+            <a:lvl5pPr marL="1828800" indent="0" algn="ctr" defTabSz="914400" rtl="0" eaLnBrk="1" latinLnBrk="0" hangingPunct="1">
+              <a:lnSpc>
+                <a:spcPct val="90000"/>
+              </a:lnSpc>
+              <a:spcBef>
+                <a:spcPts val="500"/>
+              </a:spcBef>
+              <a:buFont typeface="Arial" panose="020B0604020202020204" pitchFamily="34" charset="0"/>
+              <a:buNone/>
+              <a:defRPr sz="1600" kern="1200">
+                <a:solidFill>
+                  <a:schemeClr val="tx1"/>
+                </a:solidFill>
+                <a:latin typeface="+mn-lt"/>
+                <a:ea typeface="+mn-ea"/>
+                <a:cs typeface="+mn-cs"/>
+              </a:defRPr>
+            </a:lvl5pPr>
+            <a:lvl6pPr marL="2286000" indent="0" algn="ctr" defTabSz="914400" rtl="0" eaLnBrk="1" latinLnBrk="0" hangingPunct="1">
+              <a:lnSpc>
+                <a:spcPct val="90000"/>
+              </a:lnSpc>
+              <a:spcBef>
+                <a:spcPts val="500"/>
+              </a:spcBef>
+              <a:buFont typeface="Arial" panose="020B0604020202020204" pitchFamily="34" charset="0"/>
+              <a:buNone/>
+              <a:defRPr sz="1600" kern="1200">
+                <a:solidFill>
+                  <a:schemeClr val="tx1"/>
+                </a:solidFill>
+                <a:latin typeface="+mn-lt"/>
+                <a:ea typeface="+mn-ea"/>
+                <a:cs typeface="+mn-cs"/>
+              </a:defRPr>
+            </a:lvl6pPr>
+            <a:lvl7pPr marL="2743200" indent="0" algn="ctr" defTabSz="914400" rtl="0" eaLnBrk="1" latinLnBrk="0" hangingPunct="1">
+              <a:lnSpc>
+                <a:spcPct val="90000"/>
+              </a:lnSpc>
+              <a:spcBef>
+                <a:spcPts val="500"/>
+              </a:spcBef>
+              <a:buFont typeface="Arial" panose="020B0604020202020204" pitchFamily="34" charset="0"/>
+              <a:buNone/>
+              <a:defRPr sz="1600" kern="1200">
+                <a:solidFill>
+                  <a:schemeClr val="tx1"/>
+                </a:solidFill>
+                <a:latin typeface="+mn-lt"/>
+                <a:ea typeface="+mn-ea"/>
+                <a:cs typeface="+mn-cs"/>
+              </a:defRPr>
+            </a:lvl7pPr>
+            <a:lvl8pPr marL="3200400" indent="0" algn="ctr" defTabSz="914400" rtl="0" eaLnBrk="1" latinLnBrk="0" hangingPunct="1">
+              <a:lnSpc>
+                <a:spcPct val="90000"/>
+              </a:lnSpc>
+              <a:spcBef>
+                <a:spcPts val="500"/>
+              </a:spcBef>
+              <a:buFont typeface="Arial" panose="020B0604020202020204" pitchFamily="34" charset="0"/>
+              <a:buNone/>
+              <a:defRPr sz="1600" kern="1200">
+                <a:solidFill>
+                  <a:schemeClr val="tx1"/>
+                </a:solidFill>
+                <a:latin typeface="+mn-lt"/>
+                <a:ea typeface="+mn-ea"/>
+                <a:cs typeface="+mn-cs"/>
+              </a:defRPr>
+            </a:lvl8pPr>
+            <a:lvl9pPr marL="3657600" indent="0" algn="ctr" defTabSz="914400" rtl="0" eaLnBrk="1" latinLnBrk="0" hangingPunct="1">
+              <a:lnSpc>
+                <a:spcPct val="90000"/>
+              </a:lnSpc>
+              <a:spcBef>
+                <a:spcPts val="500"/>
+              </a:spcBef>
+              <a:buFont typeface="Arial" panose="020B0604020202020204" pitchFamily="34" charset="0"/>
+              <a:buNone/>
+              <a:defRPr sz="1600" kern="1200">
+                <a:solidFill>
+                  <a:schemeClr val="tx1"/>
+                </a:solidFill>
+                <a:latin typeface="+mn-lt"/>
+                <a:ea typeface="+mn-ea"/>
+                <a:cs typeface="+mn-cs"/>
+              </a:defRPr>
+            </a:lvl9pPr>
+          </a:lstStyle>
+          <a:p>
+            <a:pPr algn="l"/>
+            <a:r>
+              <a:rPr lang="pt-PT" sz="900" dirty="0">
+                <a:latin typeface="Arial" charset="0"/>
+                <a:ea typeface="Arial" charset="0"/>
+                <a:cs typeface="Arial" charset="0"/>
+              </a:rPr>
+              <a:t>João Correia, Luís Carreira| </a:t>
+            </a:r>
+            <a:r>
+              <a:rPr lang="pt-PT" sz="900" b="1" dirty="0">
+                <a:solidFill>
+                  <a:srgbClr val="C00000"/>
+                </a:solidFill>
+                <a:latin typeface="Arial" charset="0"/>
+                <a:ea typeface="Arial" charset="0"/>
+                <a:cs typeface="Arial" charset="0"/>
+              </a:rPr>
+              <a:t>Unidade Curricular: INTEGRAÇÃO DE SISTEMAS </a:t>
+            </a:r>
+            <a:r>
+              <a:rPr lang="pt-PT" sz="900" dirty="0">
+                <a:latin typeface="Arial" charset="0"/>
+                <a:ea typeface="Arial" charset="0"/>
+                <a:cs typeface="Arial" charset="0"/>
+              </a:rPr>
+              <a:t>– Ano Letivo 2022/2023 – </a:t>
+            </a:r>
+            <a:r>
+              <a:rPr lang="pt-PT" sz="900" b="1" dirty="0">
+                <a:latin typeface="Arial" charset="0"/>
+                <a:ea typeface="Arial" charset="0"/>
+                <a:cs typeface="Arial" charset="0"/>
+              </a:rPr>
+              <a:t>Trabalho Prático 2</a:t>
+            </a:r>
+          </a:p>
+        </p:txBody>
+      </p:sp>
+      <p:sp>
+        <p:nvSpPr>
+          <p:cNvPr id="8" name="CaixaDeTexto 7">
+            <a:extLst>
+              <a:ext uri="{FF2B5EF4-FFF2-40B4-BE49-F238E27FC236}">
+                <a16:creationId xmlns:a16="http://schemas.microsoft.com/office/drawing/2014/main" id="{F138C4BC-6F45-AE38-2AA4-D3A60242A4A9}"/>
+              </a:ext>
+            </a:extLst>
+          </p:cNvPr>
+          <p:cNvSpPr txBox="1"/>
+          <p:nvPr/>
+        </p:nvSpPr>
+        <p:spPr>
+          <a:xfrm>
+            <a:off x="482600" y="1437792"/>
+            <a:ext cx="4631266" cy="2949525"/>
+          </a:xfrm>
+          <a:prstGeom prst="rect">
+            <a:avLst/>
+          </a:prstGeom>
+          <a:noFill/>
+        </p:spPr>
+        <p:txBody>
+          <a:bodyPr wrap="square">
+            <a:spAutoFit/>
+          </a:bodyPr>
+          <a:lstStyle/>
+          <a:p>
+            <a:pPr>
+              <a:lnSpc>
+                <a:spcPct val="150000"/>
+              </a:lnSpc>
+            </a:pPr>
+            <a:r>
+              <a:rPr lang="pt-PT" dirty="0">
+                <a:latin typeface="Arial" pitchFamily="34" charset="0"/>
+                <a:cs typeface="Arial" pitchFamily="34" charset="0"/>
+              </a:rPr>
+              <a:t>1. </a:t>
+            </a:r>
+            <a:r>
+              <a:rPr lang="pt-PT" dirty="0" err="1">
+                <a:latin typeface="Arial" pitchFamily="34" charset="0"/>
+                <a:cs typeface="Arial" pitchFamily="34" charset="0"/>
+              </a:rPr>
+              <a:t>Introdu</a:t>
+            </a:r>
+            <a:r>
+              <a:rPr lang="pt-BR" dirty="0">
+                <a:latin typeface="Arial" pitchFamily="34" charset="0"/>
+                <a:cs typeface="Arial" pitchFamily="34" charset="0"/>
+              </a:rPr>
+              <a:t>ção</a:t>
+            </a:r>
+            <a:r>
+              <a:rPr lang="pt-PT" dirty="0">
+                <a:latin typeface="Arial" pitchFamily="34" charset="0"/>
+                <a:cs typeface="Arial" pitchFamily="34" charset="0"/>
+              </a:rPr>
+              <a:t> e </a:t>
+            </a:r>
+            <a:r>
+              <a:rPr lang="pt-PT" dirty="0" err="1">
+                <a:latin typeface="Arial" pitchFamily="34" charset="0"/>
+                <a:cs typeface="Arial" pitchFamily="34" charset="0"/>
+              </a:rPr>
+              <a:t>Objectivos</a:t>
+            </a:r>
+            <a:endParaRPr lang="en-US" dirty="0">
+              <a:latin typeface="Arial" pitchFamily="34" charset="0"/>
+              <a:cs typeface="Arial" pitchFamily="34" charset="0"/>
+            </a:endParaRPr>
+          </a:p>
+          <a:p>
+            <a:pPr>
+              <a:lnSpc>
+                <a:spcPct val="150000"/>
+              </a:lnSpc>
+            </a:pPr>
+            <a:r>
+              <a:rPr lang="en-US" dirty="0">
+                <a:latin typeface="Arial" pitchFamily="34" charset="0"/>
+                <a:cs typeface="Arial" pitchFamily="34" charset="0"/>
+              </a:rPr>
+              <a:t>2. </a:t>
+            </a:r>
+            <a:r>
+              <a:rPr lang="pt-PT" dirty="0" err="1">
+                <a:latin typeface="Arial" panose="020B0604020202020204" pitchFamily="34" charset="0"/>
+                <a:cs typeface="Arial" panose="020B0604020202020204" pitchFamily="34" charset="0"/>
+              </a:rPr>
+              <a:t>Importer</a:t>
+            </a:r>
+            <a:endParaRPr lang="pt-PT" dirty="0">
+              <a:latin typeface="Arial" panose="020B0604020202020204" pitchFamily="34" charset="0"/>
+              <a:cs typeface="Arial" panose="020B0604020202020204" pitchFamily="34" charset="0"/>
+            </a:endParaRPr>
+          </a:p>
+          <a:p>
+            <a:pPr>
+              <a:lnSpc>
+                <a:spcPct val="150000"/>
+              </a:lnSpc>
+            </a:pPr>
+            <a:r>
+              <a:rPr lang="en-US" dirty="0">
+                <a:latin typeface="Arial" pitchFamily="34" charset="0"/>
+                <a:cs typeface="Arial" pitchFamily="34" charset="0"/>
+              </a:rPr>
+              <a:t>3. Migrater</a:t>
+            </a:r>
+          </a:p>
+          <a:p>
+            <a:pPr>
+              <a:lnSpc>
+                <a:spcPct val="150000"/>
+              </a:lnSpc>
+            </a:pPr>
+            <a:r>
+              <a:rPr lang="en-US" dirty="0">
+                <a:latin typeface="Arial" pitchFamily="34" charset="0"/>
+                <a:cs typeface="Arial" pitchFamily="34" charset="0"/>
+              </a:rPr>
+              <a:t>4. </a:t>
+            </a:r>
+            <a:r>
+              <a:rPr lang="en-US" dirty="0" err="1">
+                <a:latin typeface="Arial" pitchFamily="34" charset="0"/>
+                <a:cs typeface="Arial" pitchFamily="34" charset="0"/>
+              </a:rPr>
+              <a:t>Gis</a:t>
+            </a:r>
+            <a:r>
+              <a:rPr lang="en-US" dirty="0">
+                <a:latin typeface="Arial" pitchFamily="34" charset="0"/>
+                <a:cs typeface="Arial" pitchFamily="34" charset="0"/>
+              </a:rPr>
+              <a:t>-Updater</a:t>
+            </a:r>
+          </a:p>
+          <a:p>
+            <a:pPr>
+              <a:lnSpc>
+                <a:spcPct val="150000"/>
+              </a:lnSpc>
+            </a:pPr>
+            <a:r>
+              <a:rPr lang="en-US" dirty="0">
+                <a:latin typeface="Arial" pitchFamily="34" charset="0"/>
+                <a:cs typeface="Arial" pitchFamily="34" charset="0"/>
+              </a:rPr>
+              <a:t>5. RPC-SERVER</a:t>
+            </a:r>
+          </a:p>
+          <a:p>
+            <a:pPr>
+              <a:lnSpc>
+                <a:spcPct val="150000"/>
+              </a:lnSpc>
+            </a:pPr>
+            <a:r>
+              <a:rPr lang="en-US" dirty="0">
+                <a:latin typeface="Arial" pitchFamily="34" charset="0"/>
+                <a:cs typeface="Arial" pitchFamily="34" charset="0"/>
+              </a:rPr>
+              <a:t>6. </a:t>
+            </a:r>
+            <a:r>
+              <a:rPr lang="en-US" dirty="0" err="1">
+                <a:latin typeface="Arial" pitchFamily="34" charset="0"/>
+                <a:cs typeface="Arial" pitchFamily="34" charset="0"/>
+              </a:rPr>
+              <a:t>Conclusão</a:t>
+            </a:r>
+            <a:endParaRPr lang="en-US" dirty="0">
+              <a:latin typeface="Arial" pitchFamily="34" charset="0"/>
+              <a:cs typeface="Arial" pitchFamily="34" charset="0"/>
+            </a:endParaRPr>
+          </a:p>
+          <a:p>
+            <a:pPr>
+              <a:lnSpc>
+                <a:spcPct val="150000"/>
+              </a:lnSpc>
+            </a:pPr>
+            <a:r>
+              <a:rPr lang="en-US" dirty="0">
+                <a:latin typeface="Arial" pitchFamily="34" charset="0"/>
+                <a:cs typeface="Arial" pitchFamily="34" charset="0"/>
+              </a:rPr>
+              <a:t>7. </a:t>
+            </a:r>
+            <a:r>
+              <a:rPr lang="en-US" dirty="0" err="1">
+                <a:latin typeface="Arial" pitchFamily="34" charset="0"/>
+                <a:cs typeface="Arial" pitchFamily="34" charset="0"/>
+              </a:rPr>
+              <a:t>Bibliografia</a:t>
+            </a:r>
+            <a:r>
+              <a:rPr lang="en-US" dirty="0">
+                <a:latin typeface="Arial" pitchFamily="34" charset="0"/>
+                <a:cs typeface="Arial" pitchFamily="34" charset="0"/>
+              </a:rPr>
+              <a:t> e </a:t>
+            </a:r>
+            <a:r>
+              <a:rPr lang="en-US" dirty="0" err="1">
+                <a:latin typeface="Arial" pitchFamily="34" charset="0"/>
+                <a:cs typeface="Arial" pitchFamily="34" charset="0"/>
+              </a:rPr>
+              <a:t>Referências</a:t>
+            </a:r>
+            <a:r>
+              <a:rPr lang="en-US" dirty="0">
+                <a:latin typeface="Arial" pitchFamily="34" charset="0"/>
+                <a:cs typeface="Arial" pitchFamily="34" charset="0"/>
+              </a:rPr>
+              <a:t> WEB</a:t>
+            </a:r>
+          </a:p>
+        </p:txBody>
+      </p:sp>
+    </p:spTree>
+    <p:extLst>
+      <p:ext uri="{BB962C8B-B14F-4D97-AF65-F5344CB8AC3E}">
+        <p14:creationId xmlns:p14="http://schemas.microsoft.com/office/powerpoint/2010/main" val="891355670"/>
       </p:ext>
     </p:extLst>
   </p:cSld>

--- a/TrabalhoPratico2_24760_25870.pptx
+++ b/TrabalhoPratico2_24760_25870.pptx
@@ -230,7 +230,7 @@
             <a:fld id="{ADB6FF1F-555E-4388-A8B0-D1E524B355D1}" type="datetimeFigureOut">
               <a:rPr lang="pt-PT" smtClean="0"/>
               <a:pPr/>
-              <a:t>17/01/2023</a:t>
+              <a:t>18/01/2023</a:t>
             </a:fld>
             <a:endParaRPr lang="pt-PT"/>
           </a:p>
@@ -397,7 +397,7 @@
             <a:fld id="{E77E319B-B046-487F-8D03-B96E4F1A43D0}" type="datetimeFigureOut">
               <a:rPr lang="pt-PT" smtClean="0"/>
               <a:pPr/>
-              <a:t>17/01/2023</a:t>
+              <a:t>18/01/2023</a:t>
             </a:fld>
             <a:endParaRPr lang="pt-PT"/>
           </a:p>
@@ -2535,7 +2535,7 @@
             <a:fld id="{A4A3E61B-3AB3-490F-90D4-269C8A444AE7}" type="datetimeFigureOut">
               <a:rPr lang="en-US" smtClean="0"/>
               <a:pPr/>
-              <a:t>1/17/2023</a:t>
+              <a:t>1/18/2023</a:t>
             </a:fld>
             <a:endParaRPr lang="en-US"/>
           </a:p>
@@ -2702,7 +2702,7 @@
             <a:fld id="{A4A3E61B-3AB3-490F-90D4-269C8A444AE7}" type="datetimeFigureOut">
               <a:rPr lang="en-US" smtClean="0"/>
               <a:pPr/>
-              <a:t>1/17/2023</a:t>
+              <a:t>1/18/2023</a:t>
             </a:fld>
             <a:endParaRPr lang="en-US"/>
           </a:p>
@@ -2879,7 +2879,7 @@
             <a:fld id="{A4A3E61B-3AB3-490F-90D4-269C8A444AE7}" type="datetimeFigureOut">
               <a:rPr lang="en-US" smtClean="0"/>
               <a:pPr/>
-              <a:t>1/17/2023</a:t>
+              <a:t>1/18/2023</a:t>
             </a:fld>
             <a:endParaRPr lang="en-US"/>
           </a:p>
@@ -3046,7 +3046,7 @@
             <a:fld id="{A4A3E61B-3AB3-490F-90D4-269C8A444AE7}" type="datetimeFigureOut">
               <a:rPr lang="en-US" smtClean="0"/>
               <a:pPr/>
-              <a:t>1/17/2023</a:t>
+              <a:t>1/18/2023</a:t>
             </a:fld>
             <a:endParaRPr lang="en-US"/>
           </a:p>
@@ -3289,7 +3289,7 @@
             <a:fld id="{A4A3E61B-3AB3-490F-90D4-269C8A444AE7}" type="datetimeFigureOut">
               <a:rPr lang="en-US" smtClean="0"/>
               <a:pPr/>
-              <a:t>1/17/2023</a:t>
+              <a:t>1/18/2023</a:t>
             </a:fld>
             <a:endParaRPr lang="en-US"/>
           </a:p>
@@ -3574,7 +3574,7 @@
             <a:fld id="{A4A3E61B-3AB3-490F-90D4-269C8A444AE7}" type="datetimeFigureOut">
               <a:rPr lang="en-US" smtClean="0"/>
               <a:pPr/>
-              <a:t>1/17/2023</a:t>
+              <a:t>1/18/2023</a:t>
             </a:fld>
             <a:endParaRPr lang="en-US"/>
           </a:p>
@@ -3993,7 +3993,7 @@
             <a:fld id="{A4A3E61B-3AB3-490F-90D4-269C8A444AE7}" type="datetimeFigureOut">
               <a:rPr lang="en-US" smtClean="0"/>
               <a:pPr/>
-              <a:t>1/17/2023</a:t>
+              <a:t>1/18/2023</a:t>
             </a:fld>
             <a:endParaRPr lang="en-US"/>
           </a:p>
@@ -4108,7 +4108,7 @@
             <a:fld id="{A4A3E61B-3AB3-490F-90D4-269C8A444AE7}" type="datetimeFigureOut">
               <a:rPr lang="en-US" smtClean="0"/>
               <a:pPr/>
-              <a:t>1/17/2023</a:t>
+              <a:t>1/18/2023</a:t>
             </a:fld>
             <a:endParaRPr lang="en-US"/>
           </a:p>
@@ -4200,7 +4200,7 @@
             <a:fld id="{A4A3E61B-3AB3-490F-90D4-269C8A444AE7}" type="datetimeFigureOut">
               <a:rPr lang="en-US" smtClean="0"/>
               <a:pPr/>
-              <a:t>1/17/2023</a:t>
+              <a:t>1/18/2023</a:t>
             </a:fld>
             <a:endParaRPr lang="en-US"/>
           </a:p>
@@ -4474,7 +4474,7 @@
             <a:fld id="{A4A3E61B-3AB3-490F-90D4-269C8A444AE7}" type="datetimeFigureOut">
               <a:rPr lang="en-US" smtClean="0"/>
               <a:pPr/>
-              <a:t>1/17/2023</a:t>
+              <a:t>1/18/2023</a:t>
             </a:fld>
             <a:endParaRPr lang="en-US"/>
           </a:p>
@@ -4724,7 +4724,7 @@
             <a:fld id="{A4A3E61B-3AB3-490F-90D4-269C8A444AE7}" type="datetimeFigureOut">
               <a:rPr lang="en-US" smtClean="0"/>
               <a:pPr/>
-              <a:t>1/17/2023</a:t>
+              <a:t>1/18/2023</a:t>
             </a:fld>
             <a:endParaRPr lang="en-US"/>
           </a:p>
@@ -4934,7 +4934,7 @@
             <a:fld id="{A4A3E61B-3AB3-490F-90D4-269C8A444AE7}" type="datetimeFigureOut">
               <a:rPr lang="en-US" smtClean="0"/>
               <a:pPr/>
-              <a:t>1/17/2023</a:t>
+              <a:t>1/18/2023</a:t>
             </a:fld>
             <a:endParaRPr lang="en-US"/>
           </a:p>
@@ -5327,7 +5327,7 @@
         </p:blipFill>
         <p:spPr>
           <a:xfrm>
-            <a:off x="25400" y="-161416"/>
+            <a:off x="-37605" y="0"/>
             <a:ext cx="9982200" cy="6858000"/>
           </a:xfrm>
           <a:prstGeom prst="rect">
